--- a/Remote Semi Interview Methods.pptx
+++ b/Remote Semi Interview Methods.pptx
@@ -20,21 +20,29 @@
     <p:sldId id="265" r:id="rId15"/>
     <p:sldId id="266" r:id="rId16"/>
     <p:sldId id="267" r:id="rId17"/>
+    <p:sldId id="268" r:id="rId18"/>
   </p:sldIdLst>
   <p:sldSz cy="5143500" cx="9144000"/>
   <p:notesSz cx="6858000" cy="9144000"/>
   <p:embeddedFontLst>
     <p:embeddedFont>
+      <p:font typeface="Roboto"/>
+      <p:regular r:id="rId19"/>
+      <p:bold r:id="rId20"/>
+      <p:italic r:id="rId21"/>
+      <p:boldItalic r:id="rId22"/>
+    </p:embeddedFont>
+    <p:embeddedFont>
       <p:font typeface="Nunito"/>
-      <p:regular r:id="rId18"/>
-      <p:bold r:id="rId19"/>
-      <p:italic r:id="rId20"/>
-      <p:boldItalic r:id="rId21"/>
+      <p:regular r:id="rId23"/>
+      <p:bold r:id="rId24"/>
+      <p:italic r:id="rId25"/>
+      <p:boldItalic r:id="rId26"/>
     </p:embeddedFont>
     <p:embeddedFont>
       <p:font typeface="Maven Pro"/>
-      <p:regular r:id="rId22"/>
-      <p:bold r:id="rId23"/>
+      <p:regular r:id="rId27"/>
+      <p:bold r:id="rId28"/>
     </p:embeddedFont>
   </p:embeddedFontLst>
   <p:defaultTextStyle>
@@ -815,7 +823,7 @@
   <p:cSld>
     <p:spTree>
       <p:nvGrpSpPr>
-        <p:cNvPr id="327" name="Shape 327"/>
+        <p:cNvPr id="343" name="Shape 343"/>
         <p:cNvGrpSpPr/>
         <p:nvPr/>
       </p:nvGrpSpPr>
@@ -829,7 +837,7 @@
       </p:grpSpPr>
       <p:sp>
         <p:nvSpPr>
-          <p:cNvPr id="328" name="Google Shape;328;g9b84f855b9_0_305:notes"/>
+          <p:cNvPr id="344" name="Google Shape;344;g9b84f855b9_0_300:notes"/>
           <p:cNvSpPr/>
           <p:nvPr>
             <p:ph idx="2" type="sldImg"/>
@@ -864,7 +872,7 @@
       </p:sp>
       <p:sp>
         <p:nvSpPr>
-          <p:cNvPr id="329" name="Google Shape;329;g9b84f855b9_0_305:notes"/>
+          <p:cNvPr id="345" name="Google Shape;345;g9b84f855b9_0_300:notes"/>
           <p:cNvSpPr txBox="1"/>
           <p:nvPr>
             <p:ph idx="1" type="body"/>
@@ -895,7 +903,8 @@
               <a:buNone/>
             </a:pPr>
             <a:r>
-              <a:t/>
+              <a:rPr lang="en"/>
+              <a:t>-- stress because it is difficult time for everyone.</a:t>
             </a:r>
             <a:endParaRPr/>
           </a:p>
@@ -914,7 +923,7 @@
   <p:cSld>
     <p:spTree>
       <p:nvGrpSpPr>
-        <p:cNvPr id="333" name="Shape 333"/>
+        <p:cNvPr id="349" name="Shape 349"/>
         <p:cNvGrpSpPr/>
         <p:nvPr/>
       </p:nvGrpSpPr>
@@ -928,7 +937,7 @@
       </p:grpSpPr>
       <p:sp>
         <p:nvSpPr>
-          <p:cNvPr id="334" name="Google Shape;334;g9b84f855b9_0_315:notes"/>
+          <p:cNvPr id="350" name="Google Shape;350;g9b84f855b9_0_305:notes"/>
           <p:cNvSpPr/>
           <p:nvPr>
             <p:ph idx="2" type="sldImg"/>
@@ -963,7 +972,7 @@
       </p:sp>
       <p:sp>
         <p:nvSpPr>
-          <p:cNvPr id="335" name="Google Shape;335;g9b84f855b9_0_315:notes"/>
+          <p:cNvPr id="351" name="Google Shape;351;g9b84f855b9_0_305:notes"/>
           <p:cNvSpPr txBox="1"/>
           <p:nvPr>
             <p:ph idx="1" type="body"/>
@@ -994,7 +1003,8 @@
               <a:buNone/>
             </a:pPr>
             <a:r>
-              <a:t/>
+              <a:rPr lang="en"/>
+              <a:t>-- since uploading recorded video takes 1 to 2 hours and at that time, it might be impossible to conduct study.</a:t>
             </a:r>
             <a:endParaRPr/>
           </a:p>
@@ -1013,7 +1023,7 @@
   <p:cSld>
     <p:spTree>
       <p:nvGrpSpPr>
-        <p:cNvPr id="339" name="Shape 339"/>
+        <p:cNvPr id="355" name="Shape 355"/>
         <p:cNvGrpSpPr/>
         <p:nvPr/>
       </p:nvGrpSpPr>
@@ -1027,7 +1037,7 @@
       </p:grpSpPr>
       <p:sp>
         <p:nvSpPr>
-          <p:cNvPr id="340" name="Google Shape;340;g9b84f855b9_0_320:notes"/>
+          <p:cNvPr id="356" name="Google Shape;356;g9b84f855b9_0_315:notes"/>
           <p:cNvSpPr/>
           <p:nvPr>
             <p:ph idx="2" type="sldImg"/>
@@ -1062,7 +1072,106 @@
       </p:sp>
       <p:sp>
         <p:nvSpPr>
-          <p:cNvPr id="341" name="Google Shape;341;g9b84f855b9_0_320:notes"/>
+          <p:cNvPr id="357" name="Google Shape;357;g9b84f855b9_0_315:notes"/>
+          <p:cNvSpPr txBox="1"/>
+          <p:nvPr>
+            <p:ph idx="1" type="body"/>
+          </p:nvPr>
+        </p:nvSpPr>
+        <p:spPr>
+          <a:xfrm>
+            <a:off x="685800" y="4343400"/>
+            <a:ext cx="5486400" cy="4114800"/>
+          </a:xfrm>
+          <a:prstGeom prst="rect">
+            <a:avLst/>
+          </a:prstGeom>
+        </p:spPr>
+        <p:txBody>
+          <a:bodyPr anchorCtr="0" anchor="t" bIns="91425" lIns="91425" spcFirstLastPara="1" rIns="91425" wrap="square" tIns="91425">
+            <a:noAutofit/>
+          </a:bodyPr>
+          <a:lstStyle/>
+          <a:p>
+            <a:pPr indent="0" lvl="0" marL="0" rtl="0" algn="l">
+              <a:spcBef>
+                <a:spcPts val="0"/>
+              </a:spcBef>
+              <a:spcAft>
+                <a:spcPts val="0"/>
+              </a:spcAft>
+              <a:buNone/>
+            </a:pPr>
+            <a:r>
+              <a:t/>
+            </a:r>
+            <a:endParaRPr/>
+          </a:p>
+        </p:txBody>
+      </p:sp>
+    </p:spTree>
+  </p:cSld>
+  <p:clrMapOvr>
+    <a:masterClrMapping/>
+  </p:clrMapOvr>
+</p:notes>
+</file>
+
+<file path=ppt/notesSlides/notesSlide13.xml><?xml version="1.0" encoding="utf-8"?>
+<p:notes xmlns:a="http://schemas.openxmlformats.org/drawingml/2006/main" xmlns:r="http://schemas.openxmlformats.org/officeDocument/2006/relationships" xmlns:mc="http://schemas.openxmlformats.org/markup-compatibility/2006" xmlns:mv="urn:schemas-microsoft-com:mac:vml" xmlns:p="http://schemas.openxmlformats.org/presentationml/2006/main" xmlns:c="http://schemas.openxmlformats.org/drawingml/2006/chart" xmlns:dgm="http://schemas.openxmlformats.org/drawingml/2006/diagram" xmlns:o="urn:schemas-microsoft-com:office:office" xmlns:v="urn:schemas-microsoft-com:vml" xmlns:pvml="urn:schemas-microsoft-com:office:powerpoint" xmlns:com="http://schemas.openxmlformats.org/drawingml/2006/compatibility" xmlns:p14="http://schemas.microsoft.com/office/powerpoint/2010/main" xmlns:p15="http://schemas.microsoft.com/office/powerpoint/2012/main" xmlns:ahyp="http://schemas.microsoft.com/office/drawing/2018/hyperlinkcolor" showMasterPhAnim="0" showMasterSp="0">
+  <p:cSld>
+    <p:spTree>
+      <p:nvGrpSpPr>
+        <p:cNvPr id="361" name="Shape 361"/>
+        <p:cNvGrpSpPr/>
+        <p:nvPr/>
+      </p:nvGrpSpPr>
+      <p:grpSpPr>
+        <a:xfrm>
+          <a:off x="0" y="0"/>
+          <a:ext cx="0" cy="0"/>
+          <a:chOff x="0" y="0"/>
+          <a:chExt cx="0" cy="0"/>
+        </a:xfrm>
+      </p:grpSpPr>
+      <p:sp>
+        <p:nvSpPr>
+          <p:cNvPr id="362" name="Google Shape;362;g9b84f855b9_0_320:notes"/>
+          <p:cNvSpPr/>
+          <p:nvPr>
+            <p:ph idx="2" type="sldImg"/>
+          </p:nvPr>
+        </p:nvSpPr>
+        <p:spPr>
+          <a:xfrm>
+            <a:off x="381300" y="685800"/>
+            <a:ext cx="6096000" cy="3429000"/>
+          </a:xfrm>
+          <a:custGeom>
+            <a:rect b="b" l="l" r="r" t="t"/>
+            <a:pathLst>
+              <a:path extrusionOk="0" h="120000" w="120000">
+                <a:moveTo>
+                  <a:pt x="0" y="0"/>
+                </a:moveTo>
+                <a:lnTo>
+                  <a:pt x="120000" y="0"/>
+                </a:lnTo>
+                <a:lnTo>
+                  <a:pt x="120000" y="120000"/>
+                </a:lnTo>
+                <a:lnTo>
+                  <a:pt x="0" y="120000"/>
+                </a:lnTo>
+                <a:close/>
+              </a:path>
+            </a:pathLst>
+          </a:custGeom>
+        </p:spPr>
+      </p:sp>
+      <p:sp>
+        <p:nvSpPr>
+          <p:cNvPr id="363" name="Google Shape;363;g9b84f855b9_0_320:notes"/>
           <p:cNvSpPr txBox="1"/>
           <p:nvPr>
             <p:ph idx="1" type="body"/>
@@ -1211,7 +1320,7 @@
   <p:cSld>
     <p:spTree>
       <p:nvGrpSpPr>
-        <p:cNvPr id="285" name="Shape 285"/>
+        <p:cNvPr id="292" name="Shape 292"/>
         <p:cNvGrpSpPr/>
         <p:nvPr/>
       </p:nvGrpSpPr>
@@ -1225,7 +1334,7 @@
       </p:grpSpPr>
       <p:sp>
         <p:nvSpPr>
-          <p:cNvPr id="286" name="Google Shape;286;g9b84f855b9_0_275:notes"/>
+          <p:cNvPr id="293" name="Google Shape;293;g9b84f855b9_0_275:notes"/>
           <p:cNvSpPr/>
           <p:nvPr>
             <p:ph idx="2" type="sldImg"/>
@@ -1260,7 +1369,7 @@
       </p:sp>
       <p:sp>
         <p:nvSpPr>
-          <p:cNvPr id="287" name="Google Shape;287;g9b84f855b9_0_275:notes"/>
+          <p:cNvPr id="294" name="Google Shape;294;g9b84f855b9_0_275:notes"/>
           <p:cNvSpPr txBox="1"/>
           <p:nvPr>
             <p:ph idx="1" type="body"/>
@@ -1281,17 +1390,36 @@
           </a:bodyPr>
           <a:lstStyle/>
           <a:p>
-            <a:pPr indent="0" lvl="0" marL="0" rtl="0" algn="l">
-              <a:spcBef>
-                <a:spcPts val="0"/>
-              </a:spcBef>
-              <a:spcAft>
-                <a:spcPts val="0"/>
-              </a:spcAft>
-              <a:buNone/>
+            <a:pPr indent="-298450" lvl="0" marL="457200" rtl="0" algn="l">
+              <a:spcBef>
+                <a:spcPts val="0"/>
+              </a:spcBef>
+              <a:spcAft>
+                <a:spcPts val="0"/>
+              </a:spcAft>
+              <a:buSzPts val="1100"/>
+              <a:buChar char="-"/>
             </a:pPr>
             <a:r>
-              <a:t/>
+              <a:rPr lang="en"/>
+              <a:t>digitalmethods.net</a:t>
+            </a:r>
+            <a:endParaRPr/>
+          </a:p>
+          <a:p>
+            <a:pPr indent="-298450" lvl="0" marL="457200" rtl="0" algn="l">
+              <a:spcBef>
+                <a:spcPts val="0"/>
+              </a:spcBef>
+              <a:spcAft>
+                <a:spcPts val="0"/>
+              </a:spcAft>
+              <a:buSzPts val="1100"/>
+              <a:buChar char="-"/>
+            </a:pPr>
+            <a:r>
+              <a:rPr lang="en"/>
+              <a:t>https://weworkremotely.com/</a:t>
             </a:r>
             <a:endParaRPr/>
           </a:p>
@@ -1310,7 +1438,7 @@
   <p:cSld>
     <p:spTree>
       <p:nvGrpSpPr>
-        <p:cNvPr id="291" name="Shape 291"/>
+        <p:cNvPr id="301" name="Shape 301"/>
         <p:cNvGrpSpPr/>
         <p:nvPr/>
       </p:nvGrpSpPr>
@@ -1324,7 +1452,7 @@
       </p:grpSpPr>
       <p:sp>
         <p:nvSpPr>
-          <p:cNvPr id="292" name="Google Shape;292;g9b84f855b9_0_280:notes"/>
+          <p:cNvPr id="302" name="Google Shape;302;g9b84f855b9_0_280:notes"/>
           <p:cNvSpPr/>
           <p:nvPr>
             <p:ph idx="2" type="sldImg"/>
@@ -1359,7 +1487,7 @@
       </p:sp>
       <p:sp>
         <p:nvSpPr>
-          <p:cNvPr id="293" name="Google Shape;293;g9b84f855b9_0_280:notes"/>
+          <p:cNvPr id="303" name="Google Shape;303;g9b84f855b9_0_280:notes"/>
           <p:cNvSpPr txBox="1"/>
           <p:nvPr>
             <p:ph idx="1" type="body"/>
@@ -1409,7 +1537,7 @@
   <p:cSld>
     <p:spTree>
       <p:nvGrpSpPr>
-        <p:cNvPr id="297" name="Shape 297"/>
+        <p:cNvPr id="307" name="Shape 307"/>
         <p:cNvGrpSpPr/>
         <p:nvPr/>
       </p:nvGrpSpPr>
@@ -1423,7 +1551,7 @@
       </p:grpSpPr>
       <p:sp>
         <p:nvSpPr>
-          <p:cNvPr id="298" name="Google Shape;298;g9b84f855b9_0_285:notes"/>
+          <p:cNvPr id="308" name="Google Shape;308;g9b84f855b9_0_285:notes"/>
           <p:cNvSpPr/>
           <p:nvPr>
             <p:ph idx="2" type="sldImg"/>
@@ -1458,7 +1586,7 @@
       </p:sp>
       <p:sp>
         <p:nvSpPr>
-          <p:cNvPr id="299" name="Google Shape;299;g9b84f855b9_0_285:notes"/>
+          <p:cNvPr id="309" name="Google Shape;309;g9b84f855b9_0_285:notes"/>
           <p:cNvSpPr txBox="1"/>
           <p:nvPr>
             <p:ph idx="1" type="body"/>
@@ -1479,17 +1607,36 @@
           </a:bodyPr>
           <a:lstStyle/>
           <a:p>
-            <a:pPr indent="0" lvl="0" marL="0" rtl="0" algn="l">
-              <a:spcBef>
-                <a:spcPts val="0"/>
-              </a:spcBef>
-              <a:spcAft>
-                <a:spcPts val="0"/>
-              </a:spcAft>
-              <a:buNone/>
+            <a:pPr indent="-298450" lvl="0" marL="457200" rtl="0" algn="l">
+              <a:spcBef>
+                <a:spcPts val="0"/>
+              </a:spcBef>
+              <a:spcAft>
+                <a:spcPts val="0"/>
+              </a:spcAft>
+              <a:buSzPts val="1100"/>
+              <a:buAutoNum type="arabicPeriod"/>
             </a:pPr>
             <a:r>
-              <a:t/>
+              <a:rPr lang="en"/>
+              <a:t>SOme experiment requires exactly same environment where participants experience such in their home. Thats why in HCI, some lab has a homely settings such as bed room, living room.</a:t>
+            </a:r>
+            <a:endParaRPr/>
+          </a:p>
+          <a:p>
+            <a:pPr indent="-298450" lvl="0" marL="457200" rtl="0" algn="l">
+              <a:spcBef>
+                <a:spcPts val="0"/>
+              </a:spcBef>
+              <a:spcAft>
+                <a:spcPts val="0"/>
+              </a:spcAft>
+              <a:buSzPts val="1100"/>
+              <a:buAutoNum type="arabicPeriod"/>
+            </a:pPr>
+            <a:r>
+              <a:rPr lang="en"/>
+              <a:t>Instant decision making during question answer.</a:t>
             </a:r>
             <a:endParaRPr/>
           </a:p>
@@ -1508,7 +1655,7 @@
   <p:cSld>
     <p:spTree>
       <p:nvGrpSpPr>
-        <p:cNvPr id="303" name="Shape 303"/>
+        <p:cNvPr id="314" name="Shape 314"/>
         <p:cNvGrpSpPr/>
         <p:nvPr/>
       </p:nvGrpSpPr>
@@ -1522,7 +1669,7 @@
       </p:grpSpPr>
       <p:sp>
         <p:nvSpPr>
-          <p:cNvPr id="304" name="Google Shape;304;g9b84f855b9_0_290:notes"/>
+          <p:cNvPr id="315" name="Google Shape;315;g9b84f855b9_0_290:notes"/>
           <p:cNvSpPr/>
           <p:nvPr>
             <p:ph idx="2" type="sldImg"/>
@@ -1557,7 +1704,7 @@
       </p:sp>
       <p:sp>
         <p:nvSpPr>
-          <p:cNvPr id="305" name="Google Shape;305;g9b84f855b9_0_290:notes"/>
+          <p:cNvPr id="316" name="Google Shape;316;g9b84f855b9_0_290:notes"/>
           <p:cNvSpPr txBox="1"/>
           <p:nvPr>
             <p:ph idx="1" type="body"/>
@@ -1578,17 +1725,67 @@
           </a:bodyPr>
           <a:lstStyle/>
           <a:p>
-            <a:pPr indent="0" lvl="0" marL="0" rtl="0" algn="l">
-              <a:spcBef>
-                <a:spcPts val="0"/>
-              </a:spcBef>
-              <a:spcAft>
-                <a:spcPts val="0"/>
-              </a:spcAft>
-              <a:buNone/>
+            <a:pPr indent="-298450" lvl="0" marL="457200" rtl="0" algn="l">
+              <a:spcBef>
+                <a:spcPts val="0"/>
+              </a:spcBef>
+              <a:spcAft>
+                <a:spcPts val="0"/>
+              </a:spcAft>
+              <a:buSzPts val="1100"/>
+              <a:buAutoNum type="arabicPeriod"/>
             </a:pPr>
             <a:r>
-              <a:t/>
+              <a:rPr lang="en"/>
+              <a:t>Such as, we identified participant camera is broken, only we asked our participant to share their screen. In that case, any kind of </a:t>
+            </a:r>
+            <a:endParaRPr/>
+          </a:p>
+          <a:p>
+            <a:pPr indent="0" lvl="0" marL="0" rtl="0" algn="l">
+              <a:spcBef>
+                <a:spcPts val="0"/>
+              </a:spcBef>
+              <a:spcAft>
+                <a:spcPts val="0"/>
+              </a:spcAft>
+              <a:buNone/>
+            </a:pPr>
+            <a:r>
+              <a:rPr lang="en"/>
+              <a:t>Image Curtesy:</a:t>
+            </a:r>
+            <a:endParaRPr/>
+          </a:p>
+          <a:p>
+            <a:pPr indent="0" lvl="0" marL="0" rtl="0" algn="l">
+              <a:spcBef>
+                <a:spcPts val="0"/>
+              </a:spcBef>
+              <a:spcAft>
+                <a:spcPts val="0"/>
+              </a:spcAft>
+              <a:buNone/>
+            </a:pPr>
+            <a:r>
+              <a:rPr lang="en"/>
+              <a:t>Techjunkie.com</a:t>
+            </a:r>
+            <a:endParaRPr/>
+          </a:p>
+          <a:p>
+            <a:pPr indent="0" lvl="0" marL="0" rtl="0" algn="l">
+              <a:spcBef>
+                <a:spcPts val="0"/>
+              </a:spcBef>
+              <a:spcAft>
+                <a:spcPts val="0"/>
+              </a:spcAft>
+              <a:buNone/>
+            </a:pPr>
+            <a:r>
+              <a:rPr lang="en"/>
+              <a:t>pngegg.com</a:t>
             </a:r>
             <a:endParaRPr/>
           </a:p>
@@ -1607,7 +1804,7 @@
   <p:cSld>
     <p:spTree>
       <p:nvGrpSpPr>
-        <p:cNvPr id="309" name="Shape 309"/>
+        <p:cNvPr id="323" name="Shape 323"/>
         <p:cNvGrpSpPr/>
         <p:nvPr/>
       </p:nvGrpSpPr>
@@ -1621,7 +1818,7 @@
       </p:grpSpPr>
       <p:sp>
         <p:nvSpPr>
-          <p:cNvPr id="310" name="Google Shape;310;g9b84f855b9_0_310:notes"/>
+          <p:cNvPr id="324" name="Google Shape;324;ga0ba745b10_0_14:notes"/>
           <p:cNvSpPr/>
           <p:nvPr>
             <p:ph idx="2" type="sldImg"/>
@@ -1656,7 +1853,7 @@
       </p:sp>
       <p:sp>
         <p:nvSpPr>
-          <p:cNvPr id="311" name="Google Shape;311;g9b84f855b9_0_310:notes"/>
+          <p:cNvPr id="325" name="Google Shape;325;ga0ba745b10_0_14:notes"/>
           <p:cNvSpPr txBox="1"/>
           <p:nvPr>
             <p:ph idx="1" type="body"/>
@@ -1706,7 +1903,7 @@
   <p:cSld>
     <p:spTree>
       <p:nvGrpSpPr>
-        <p:cNvPr id="315" name="Shape 315"/>
+        <p:cNvPr id="329" name="Shape 329"/>
         <p:cNvGrpSpPr/>
         <p:nvPr/>
       </p:nvGrpSpPr>
@@ -1720,7 +1917,7 @@
       </p:grpSpPr>
       <p:sp>
         <p:nvSpPr>
-          <p:cNvPr id="316" name="Google Shape;316;g9b84f855b9_0_295:notes"/>
+          <p:cNvPr id="330" name="Google Shape;330;g9b84f855b9_0_310:notes"/>
           <p:cNvSpPr/>
           <p:nvPr>
             <p:ph idx="2" type="sldImg"/>
@@ -1755,7 +1952,7 @@
       </p:sp>
       <p:sp>
         <p:nvSpPr>
-          <p:cNvPr id="317" name="Google Shape;317;g9b84f855b9_0_295:notes"/>
+          <p:cNvPr id="331" name="Google Shape;331;g9b84f855b9_0_310:notes"/>
           <p:cNvSpPr txBox="1"/>
           <p:nvPr>
             <p:ph idx="1" type="body"/>
@@ -1805,7 +2002,7 @@
   <p:cSld>
     <p:spTree>
       <p:nvGrpSpPr>
-        <p:cNvPr id="321" name="Shape 321"/>
+        <p:cNvPr id="337" name="Shape 337"/>
         <p:cNvGrpSpPr/>
         <p:nvPr/>
       </p:nvGrpSpPr>
@@ -1819,7 +2016,7 @@
       </p:grpSpPr>
       <p:sp>
         <p:nvSpPr>
-          <p:cNvPr id="322" name="Google Shape;322;g9b84f855b9_0_300:notes"/>
+          <p:cNvPr id="338" name="Google Shape;338;g9b84f855b9_0_295:notes"/>
           <p:cNvSpPr/>
           <p:nvPr>
             <p:ph idx="2" type="sldImg"/>
@@ -1854,7 +2051,7 @@
       </p:sp>
       <p:sp>
         <p:nvSpPr>
-          <p:cNvPr id="323" name="Google Shape;323;g9b84f855b9_0_300:notes"/>
+          <p:cNvPr id="339" name="Google Shape;339;g9b84f855b9_0_295:notes"/>
           <p:cNvSpPr txBox="1"/>
           <p:nvPr>
             <p:ph idx="1" type="body"/>
@@ -1875,17 +2072,30 @@
           </a:bodyPr>
           <a:lstStyle/>
           <a:p>
-            <a:pPr indent="0" lvl="0" marL="0" rtl="0" algn="l">
-              <a:spcBef>
-                <a:spcPts val="0"/>
-              </a:spcBef>
-              <a:spcAft>
-                <a:spcPts val="0"/>
-              </a:spcAft>
-              <a:buNone/>
+            <a:pPr indent="-298450" lvl="0" marL="457200" rtl="0" algn="l">
+              <a:lnSpc>
+                <a:spcPct val="115000"/>
+              </a:lnSpc>
+              <a:spcBef>
+                <a:spcPts val="0"/>
+              </a:spcBef>
+              <a:spcAft>
+                <a:spcPts val="0"/>
+              </a:spcAft>
+              <a:buSzPts val="1100"/>
+              <a:buAutoNum type="arabicPeriod"/>
             </a:pPr>
             <a:r>
-              <a:t/>
+              <a:rPr lang="en" sz="1300">
+                <a:solidFill>
+                  <a:srgbClr val="424242"/>
+                </a:solidFill>
+                <a:latin typeface="Nunito"/>
+                <a:ea typeface="Nunito"/>
+                <a:cs typeface="Nunito"/>
+                <a:sym typeface="Nunito"/>
+              </a:rPr>
+              <a:t>3 days before and 1 day before </a:t>
             </a:r>
             <a:endParaRPr/>
           </a:p>
@@ -16294,7 +16504,7 @@
   <p:cSld>
     <p:spTree>
       <p:nvGrpSpPr>
-        <p:cNvPr id="330" name="Shape 330"/>
+        <p:cNvPr id="346" name="Shape 346"/>
         <p:cNvGrpSpPr/>
         <p:nvPr/>
       </p:nvGrpSpPr>
@@ -16308,7 +16518,7 @@
       </p:grpSpPr>
       <p:sp>
         <p:nvSpPr>
-          <p:cNvPr id="331" name="Google Shape;331;p22"/>
+          <p:cNvPr id="347" name="Google Shape;347;p22"/>
           <p:cNvSpPr txBox="1"/>
           <p:nvPr>
             <p:ph type="title"/>
@@ -16340,7 +16550,7 @@
             </a:pPr>
             <a:r>
               <a:rPr lang="en"/>
-              <a:t>Post-study Activity</a:t>
+              <a:t>In-study Activity</a:t>
             </a:r>
             <a:endParaRPr/>
           </a:p>
@@ -16348,7 +16558,7 @@
       </p:sp>
       <p:sp>
         <p:nvSpPr>
-          <p:cNvPr id="332" name="Google Shape;332;p22"/>
+          <p:cNvPr id="348" name="Google Shape;348;p22"/>
           <p:cNvSpPr txBox="1"/>
           <p:nvPr>
             <p:ph idx="1" type="body"/>
@@ -16369,17 +16579,138 @@
           </a:bodyPr>
           <a:lstStyle/>
           <a:p>
-            <a:pPr indent="0" lvl="0" marL="0" rtl="0" algn="l">
-              <a:spcBef>
-                <a:spcPts val="0"/>
-              </a:spcBef>
-              <a:spcAft>
-                <a:spcPts val="1600"/>
-              </a:spcAft>
-              <a:buNone/>
+            <a:pPr indent="-311150" lvl="0" marL="457200" rtl="0" algn="l">
+              <a:spcBef>
+                <a:spcPts val="0"/>
+              </a:spcBef>
+              <a:spcAft>
+                <a:spcPts val="0"/>
+              </a:spcAft>
+              <a:buSzPts val="1300"/>
+              <a:buChar char="●"/>
             </a:pPr>
             <a:r>
-              <a:t/>
+              <a:rPr lang="en"/>
+              <a:t>Be ontime. </a:t>
+            </a:r>
+            <a:endParaRPr/>
+          </a:p>
+          <a:p>
+            <a:pPr indent="-311150" lvl="0" marL="457200" rtl="0" algn="l">
+              <a:spcBef>
+                <a:spcPts val="0"/>
+              </a:spcBef>
+              <a:spcAft>
+                <a:spcPts val="0"/>
+              </a:spcAft>
+              <a:buSzPts val="1300"/>
+              <a:buChar char="●"/>
+            </a:pPr>
+            <a:r>
+              <a:rPr lang="en"/>
+              <a:t>Check consent form.</a:t>
+            </a:r>
+            <a:endParaRPr/>
+          </a:p>
+          <a:p>
+            <a:pPr indent="-311150" lvl="0" marL="457200" rtl="0" algn="l">
+              <a:spcBef>
+                <a:spcPts val="0"/>
+              </a:spcBef>
+              <a:spcAft>
+                <a:spcPts val="0"/>
+              </a:spcAft>
+              <a:buSzPts val="1300"/>
+              <a:buChar char="●"/>
+            </a:pPr>
+            <a:r>
+              <a:rPr lang="en"/>
+              <a:t>Mention before starting record.</a:t>
+            </a:r>
+            <a:endParaRPr/>
+          </a:p>
+          <a:p>
+            <a:pPr indent="-311150" lvl="0" marL="457200" rtl="0" algn="l">
+              <a:spcBef>
+                <a:spcPts val="0"/>
+              </a:spcBef>
+              <a:spcAft>
+                <a:spcPts val="0"/>
+              </a:spcAft>
+              <a:buSzPts val="1300"/>
+              <a:buChar char="●"/>
+            </a:pPr>
+            <a:r>
+              <a:rPr lang="en"/>
+              <a:t>Mini ice-breaking session.</a:t>
+            </a:r>
+            <a:endParaRPr/>
+          </a:p>
+          <a:p>
+            <a:pPr indent="-311150" lvl="0" marL="457200" rtl="0" algn="l">
+              <a:spcBef>
+                <a:spcPts val="0"/>
+              </a:spcBef>
+              <a:spcAft>
+                <a:spcPts val="0"/>
+              </a:spcAft>
+              <a:buSzPts val="1300"/>
+              <a:buChar char="●"/>
+            </a:pPr>
+            <a:r>
+              <a:rPr lang="en"/>
+              <a:t>Intervene immediately after participants’ response.</a:t>
+            </a:r>
+            <a:endParaRPr/>
+          </a:p>
+          <a:p>
+            <a:pPr indent="-311150" lvl="0" marL="457200" rtl="0" algn="l">
+              <a:spcBef>
+                <a:spcPts val="0"/>
+              </a:spcBef>
+              <a:spcAft>
+                <a:spcPts val="0"/>
+              </a:spcAft>
+              <a:buSzPts val="1300"/>
+              <a:buChar char="●"/>
+            </a:pPr>
+            <a:r>
+              <a:rPr b="1" lang="en"/>
+              <a:t>Do not intervene while participant is thinking.</a:t>
+            </a:r>
+            <a:endParaRPr b="1"/>
+          </a:p>
+          <a:p>
+            <a:pPr indent="-311150" lvl="0" marL="457200" rtl="0" algn="l">
+              <a:spcBef>
+                <a:spcPts val="0"/>
+              </a:spcBef>
+              <a:spcAft>
+                <a:spcPts val="0"/>
+              </a:spcAft>
+              <a:buSzPts val="1300"/>
+              <a:buChar char="●"/>
+            </a:pPr>
+            <a:r>
+              <a:rPr lang="en"/>
+              <a:t>Remember participant might be in stress.</a:t>
+            </a:r>
+            <a:endParaRPr/>
+          </a:p>
+          <a:p>
+            <a:pPr indent="-311150" lvl="0" marL="457200" rtl="0" algn="l">
+              <a:spcBef>
+                <a:spcPts val="0"/>
+              </a:spcBef>
+              <a:spcAft>
+                <a:spcPts val="0"/>
+              </a:spcAft>
+              <a:buSzPts val="1300"/>
+              <a:buChar char="●"/>
+            </a:pPr>
+            <a:r>
+              <a:rPr lang="en"/>
+              <a:t>Explain as much as possible.</a:t>
             </a:r>
             <a:endParaRPr/>
           </a:p>
@@ -16398,7 +16729,7 @@
   <p:cSld>
     <p:spTree>
       <p:nvGrpSpPr>
-        <p:cNvPr id="336" name="Shape 336"/>
+        <p:cNvPr id="352" name="Shape 352"/>
         <p:cNvGrpSpPr/>
         <p:nvPr/>
       </p:nvGrpSpPr>
@@ -16412,7 +16743,7 @@
       </p:grpSpPr>
       <p:sp>
         <p:nvSpPr>
-          <p:cNvPr id="337" name="Google Shape;337;p23"/>
+          <p:cNvPr id="353" name="Google Shape;353;p23"/>
           <p:cNvSpPr txBox="1"/>
           <p:nvPr>
             <p:ph type="title"/>
@@ -16444,7 +16775,7 @@
             </a:pPr>
             <a:r>
               <a:rPr lang="en"/>
-              <a:t>Open Discussion</a:t>
+              <a:t>Post-study Activity</a:t>
             </a:r>
             <a:endParaRPr/>
           </a:p>
@@ -16452,7 +16783,7 @@
       </p:sp>
       <p:sp>
         <p:nvSpPr>
-          <p:cNvPr id="338" name="Google Shape;338;p23"/>
+          <p:cNvPr id="354" name="Google Shape;354;p23"/>
           <p:cNvSpPr txBox="1"/>
           <p:nvPr>
             <p:ph idx="1" type="body"/>
@@ -16473,17 +16804,95 @@
           </a:bodyPr>
           <a:lstStyle/>
           <a:p>
-            <a:pPr indent="0" lvl="0" marL="0" rtl="0" algn="l">
-              <a:spcBef>
-                <a:spcPts val="0"/>
-              </a:spcBef>
-              <a:spcAft>
-                <a:spcPts val="1600"/>
-              </a:spcAft>
-              <a:buNone/>
+            <a:pPr indent="-311150" lvl="0" marL="457200" rtl="0" algn="l">
+              <a:spcBef>
+                <a:spcPts val="0"/>
+              </a:spcBef>
+              <a:spcAft>
+                <a:spcPts val="0"/>
+              </a:spcAft>
+              <a:buSzPts val="1300"/>
+              <a:buChar char="●"/>
             </a:pPr>
             <a:r>
-              <a:t/>
+              <a:rPr lang="en"/>
+              <a:t>Don’t forget to </a:t>
+            </a:r>
+            <a:r>
+              <a:rPr lang="en"/>
+              <a:t>fill up</a:t>
+            </a:r>
+            <a:r>
+              <a:rPr lang="en"/>
+              <a:t> demographic form.</a:t>
+            </a:r>
+            <a:endParaRPr/>
+          </a:p>
+          <a:p>
+            <a:pPr indent="-311150" lvl="0" marL="457200" rtl="0" algn="l">
+              <a:spcBef>
+                <a:spcPts val="0"/>
+              </a:spcBef>
+              <a:spcAft>
+                <a:spcPts val="0"/>
+              </a:spcAft>
+              <a:buSzPts val="1300"/>
+              <a:buChar char="●"/>
+            </a:pPr>
+            <a:r>
+              <a:rPr lang="en"/>
+              <a:t>Don’t forget to collect payment information.</a:t>
+            </a:r>
+            <a:endParaRPr/>
+          </a:p>
+          <a:p>
+            <a:pPr indent="-311150" lvl="0" marL="457200" rtl="0" algn="l">
+              <a:spcBef>
+                <a:spcPts val="0"/>
+              </a:spcBef>
+              <a:spcAft>
+                <a:spcPts val="0"/>
+              </a:spcAft>
+              <a:buSzPts val="1300"/>
+              <a:buChar char="●"/>
+            </a:pPr>
+            <a:r>
+              <a:rPr lang="en"/>
+              <a:t>Ask whether it is okay to follow-up.</a:t>
+            </a:r>
+            <a:endParaRPr/>
+          </a:p>
+          <a:p>
+            <a:pPr indent="-311150" lvl="0" marL="457200" rtl="0" algn="l">
+              <a:spcBef>
+                <a:spcPts val="0"/>
+              </a:spcBef>
+              <a:spcAft>
+                <a:spcPts val="0"/>
+              </a:spcAft>
+              <a:buSzPts val="1300"/>
+              <a:buChar char="●"/>
+            </a:pPr>
+            <a:r>
+              <a:rPr lang="en"/>
+              <a:t>If website fails to record, fill out watching recording.</a:t>
+            </a:r>
+            <a:endParaRPr/>
+          </a:p>
+          <a:p>
+            <a:pPr indent="-311150" lvl="0" marL="457200" rtl="0" algn="l">
+              <a:spcBef>
+                <a:spcPts val="0"/>
+              </a:spcBef>
+              <a:spcAft>
+                <a:spcPts val="0"/>
+              </a:spcAft>
+              <a:buSzPts val="1300"/>
+              <a:buChar char="●"/>
+            </a:pPr>
+            <a:r>
+              <a:rPr lang="en"/>
+              <a:t>Prepare multiple device for consecutive study.</a:t>
             </a:r>
             <a:endParaRPr/>
           </a:p>
@@ -16502,7 +16911,7 @@
   <p:cSld>
     <p:spTree>
       <p:nvGrpSpPr>
-        <p:cNvPr id="342" name="Shape 342"/>
+        <p:cNvPr id="358" name="Shape 358"/>
         <p:cNvGrpSpPr/>
         <p:nvPr/>
       </p:nvGrpSpPr>
@@ -16516,7 +16925,7 @@
       </p:grpSpPr>
       <p:sp>
         <p:nvSpPr>
-          <p:cNvPr id="343" name="Google Shape;343;p24"/>
+          <p:cNvPr id="359" name="Google Shape;359;p24"/>
           <p:cNvSpPr txBox="1"/>
           <p:nvPr>
             <p:ph type="title"/>
@@ -16548,6 +16957,179 @@
             </a:pPr>
             <a:r>
               <a:rPr lang="en"/>
+              <a:t>Open Discussion</a:t>
+            </a:r>
+            <a:endParaRPr/>
+          </a:p>
+        </p:txBody>
+      </p:sp>
+      <p:sp>
+        <p:nvSpPr>
+          <p:cNvPr id="360" name="Google Shape;360;p24"/>
+          <p:cNvSpPr txBox="1"/>
+          <p:nvPr>
+            <p:ph idx="1" type="body"/>
+          </p:nvPr>
+        </p:nvSpPr>
+        <p:spPr>
+          <a:xfrm>
+            <a:off x="1303800" y="1990050"/>
+            <a:ext cx="7030500" cy="2541600"/>
+          </a:xfrm>
+          <a:prstGeom prst="rect">
+            <a:avLst/>
+          </a:prstGeom>
+        </p:spPr>
+        <p:txBody>
+          <a:bodyPr anchorCtr="0" anchor="t" bIns="91425" lIns="91425" spcFirstLastPara="1" rIns="91425" wrap="square" tIns="91425">
+            <a:noAutofit/>
+          </a:bodyPr>
+          <a:lstStyle/>
+          <a:p>
+            <a:pPr indent="-311150" lvl="0" marL="457200" rtl="0" algn="l">
+              <a:spcBef>
+                <a:spcPts val="0"/>
+              </a:spcBef>
+              <a:spcAft>
+                <a:spcPts val="0"/>
+              </a:spcAft>
+              <a:buSzPts val="1300"/>
+              <a:buChar char="●"/>
+            </a:pPr>
+            <a:r>
+              <a:rPr lang="en"/>
+              <a:t>Did you conduct any remote study during this time?</a:t>
+            </a:r>
+            <a:endParaRPr/>
+          </a:p>
+          <a:p>
+            <a:pPr indent="-311150" lvl="0" marL="457200" rtl="0" algn="l">
+              <a:spcBef>
+                <a:spcPts val="0"/>
+              </a:spcBef>
+              <a:spcAft>
+                <a:spcPts val="0"/>
+              </a:spcAft>
+              <a:buSzPts val="1300"/>
+              <a:buChar char="●"/>
+            </a:pPr>
+            <a:r>
+              <a:rPr lang="en"/>
+              <a:t>What are the unexpected scenario you encountered?</a:t>
+            </a:r>
+            <a:endParaRPr/>
+          </a:p>
+          <a:p>
+            <a:pPr indent="-311150" lvl="0" marL="457200" rtl="0" algn="l">
+              <a:spcBef>
+                <a:spcPts val="0"/>
+              </a:spcBef>
+              <a:spcAft>
+                <a:spcPts val="0"/>
+              </a:spcAft>
+              <a:buSzPts val="1300"/>
+              <a:buChar char="●"/>
+            </a:pPr>
+            <a:r>
+              <a:rPr lang="en"/>
+              <a:t>How did you resolve those?</a:t>
+            </a:r>
+            <a:endParaRPr/>
+          </a:p>
+          <a:p>
+            <a:pPr indent="-311150" lvl="0" marL="457200" rtl="0" algn="l">
+              <a:spcBef>
+                <a:spcPts val="0"/>
+              </a:spcBef>
+              <a:spcAft>
+                <a:spcPts val="0"/>
+              </a:spcAft>
+              <a:buSzPts val="1300"/>
+              <a:buChar char="●"/>
+            </a:pPr>
+            <a:r>
+              <a:rPr lang="en"/>
+              <a:t>What makes you more </a:t>
+            </a:r>
+            <a:r>
+              <a:rPr b="1" lang="en"/>
+              <a:t>comfortable</a:t>
+            </a:r>
+            <a:r>
+              <a:rPr lang="en"/>
+              <a:t> or </a:t>
+            </a:r>
+            <a:r>
+              <a:rPr b="1" lang="en"/>
+              <a:t>uncomfortable</a:t>
+            </a:r>
+            <a:r>
+              <a:rPr lang="en"/>
+              <a:t> about this remote study?</a:t>
+            </a:r>
+            <a:endParaRPr/>
+          </a:p>
+        </p:txBody>
+      </p:sp>
+    </p:spTree>
+  </p:cSld>
+  <p:clrMapOvr>
+    <a:masterClrMapping/>
+  </p:clrMapOvr>
+</p:sld>
+</file>
+
+<file path=ppt/slides/slide13.xml><?xml version="1.0" encoding="utf-8"?>
+<p:sld xmlns:a="http://schemas.openxmlformats.org/drawingml/2006/main" xmlns:r="http://schemas.openxmlformats.org/officeDocument/2006/relationships" xmlns:mc="http://schemas.openxmlformats.org/markup-compatibility/2006" xmlns:mv="urn:schemas-microsoft-com:mac:vml" xmlns:p="http://schemas.openxmlformats.org/presentationml/2006/main" xmlns:c="http://schemas.openxmlformats.org/drawingml/2006/chart" xmlns:dgm="http://schemas.openxmlformats.org/drawingml/2006/diagram" xmlns:o="urn:schemas-microsoft-com:office:office" xmlns:v="urn:schemas-microsoft-com:vml" xmlns:pvml="urn:schemas-microsoft-com:office:powerpoint" xmlns:com="http://schemas.openxmlformats.org/drawingml/2006/compatibility" xmlns:p14="http://schemas.microsoft.com/office/powerpoint/2010/main" xmlns:p15="http://schemas.microsoft.com/office/powerpoint/2012/main" xmlns:ahyp="http://schemas.microsoft.com/office/drawing/2018/hyperlinkcolor">
+  <p:cSld>
+    <p:spTree>
+      <p:nvGrpSpPr>
+        <p:cNvPr id="364" name="Shape 364"/>
+        <p:cNvGrpSpPr/>
+        <p:nvPr/>
+      </p:nvGrpSpPr>
+      <p:grpSpPr>
+        <a:xfrm>
+          <a:off x="0" y="0"/>
+          <a:ext cx="0" cy="0"/>
+          <a:chOff x="0" y="0"/>
+          <a:chExt cx="0" cy="0"/>
+        </a:xfrm>
+      </p:grpSpPr>
+      <p:sp>
+        <p:nvSpPr>
+          <p:cNvPr id="365" name="Google Shape;365;p25"/>
+          <p:cNvSpPr txBox="1"/>
+          <p:nvPr>
+            <p:ph type="title"/>
+          </p:nvPr>
+        </p:nvSpPr>
+        <p:spPr>
+          <a:xfrm>
+            <a:off x="1303800" y="598575"/>
+            <a:ext cx="7030500" cy="999300"/>
+          </a:xfrm>
+          <a:prstGeom prst="rect">
+            <a:avLst/>
+          </a:prstGeom>
+        </p:spPr>
+        <p:txBody>
+          <a:bodyPr anchorCtr="0" anchor="t" bIns="91425" lIns="91425" spcFirstLastPara="1" rIns="91425" wrap="square" tIns="91425">
+            <a:noAutofit/>
+          </a:bodyPr>
+          <a:lstStyle/>
+          <a:p>
+            <a:pPr indent="0" lvl="0" marL="0" rtl="0" algn="l">
+              <a:spcBef>
+                <a:spcPts val="0"/>
+              </a:spcBef>
+              <a:spcAft>
+                <a:spcPts val="0"/>
+              </a:spcAft>
+              <a:buNone/>
+            </a:pPr>
+            <a:r>
+              <a:rPr lang="en"/>
               <a:t>Thank You</a:t>
             </a:r>
             <a:endParaRPr/>
@@ -16556,7 +17138,7 @@
       </p:sp>
       <p:sp>
         <p:nvSpPr>
-          <p:cNvPr id="344" name="Google Shape;344;p24"/>
+          <p:cNvPr id="366" name="Google Shape;366;p25"/>
           <p:cNvSpPr txBox="1"/>
           <p:nvPr>
             <p:ph idx="1" type="body"/>
@@ -16868,7 +17450,7 @@
         <p:spPr>
           <a:xfrm>
             <a:off x="1303800" y="1669950"/>
-            <a:ext cx="7030500" cy="2861700"/>
+            <a:ext cx="7030500" cy="757800"/>
           </a:xfrm>
           <a:prstGeom prst="rect">
             <a:avLst/>
@@ -16962,10 +17544,325 @@
               <a:buNone/>
             </a:pPr>
             <a:r>
-              <a:rPr lang="en"/>
-              <a:t>Put two images here</a:t>
+              <a:t/>
             </a:r>
             <a:endParaRPr/>
+          </a:p>
+        </p:txBody>
+      </p:sp>
+      <p:pic>
+        <p:nvPicPr>
+          <p:cNvPr id="285" name="Google Shape;285;p14"/>
+          <p:cNvPicPr preferRelativeResize="0"/>
+          <p:nvPr/>
+        </p:nvPicPr>
+        <p:blipFill>
+          <a:blip r:embed="rId3">
+            <a:alphaModFix/>
+          </a:blip>
+          <a:stretch>
+            <a:fillRect/>
+          </a:stretch>
+        </p:blipFill>
+        <p:spPr>
+          <a:xfrm>
+            <a:off x="1211575" y="2917200"/>
+            <a:ext cx="3277701" cy="2002375"/>
+          </a:xfrm>
+          <a:prstGeom prst="rect">
+            <a:avLst/>
+          </a:prstGeom>
+          <a:noFill/>
+          <a:ln>
+            <a:noFill/>
+          </a:ln>
+        </p:spPr>
+      </p:pic>
+      <p:pic>
+        <p:nvPicPr>
+          <p:cNvPr id="286" name="Google Shape;286;p14"/>
+          <p:cNvPicPr preferRelativeResize="0"/>
+          <p:nvPr/>
+        </p:nvPicPr>
+        <p:blipFill>
+          <a:blip r:embed="rId3">
+            <a:alphaModFix/>
+          </a:blip>
+          <a:stretch>
+            <a:fillRect/>
+          </a:stretch>
+        </p:blipFill>
+        <p:spPr>
+          <a:xfrm>
+            <a:off x="4642462" y="2917200"/>
+            <a:ext cx="3277713" cy="2002375"/>
+          </a:xfrm>
+          <a:prstGeom prst="rect">
+            <a:avLst/>
+          </a:prstGeom>
+          <a:noFill/>
+          <a:ln>
+            <a:noFill/>
+          </a:ln>
+        </p:spPr>
+      </p:pic>
+      <p:sp>
+        <p:nvSpPr>
+          <p:cNvPr id="287" name="Google Shape;287;p14"/>
+          <p:cNvSpPr txBox="1"/>
+          <p:nvPr/>
+        </p:nvSpPr>
+        <p:spPr>
+          <a:xfrm>
+            <a:off x="5329688" y="4539750"/>
+            <a:ext cx="2327400" cy="302100"/>
+          </a:xfrm>
+          <a:prstGeom prst="rect">
+            <a:avLst/>
+          </a:prstGeom>
+          <a:solidFill>
+            <a:srgbClr val="000000"/>
+          </a:solidFill>
+          <a:ln>
+            <a:noFill/>
+          </a:ln>
+        </p:spPr>
+        <p:txBody>
+          <a:bodyPr anchorCtr="0" anchor="t" bIns="91425" lIns="91425" spcFirstLastPara="1" rIns="91425" wrap="square" tIns="0">
+            <a:noAutofit/>
+          </a:bodyPr>
+          <a:lstStyle/>
+          <a:p>
+            <a:pPr indent="0" lvl="0" marL="0" rtl="0" algn="ctr">
+              <a:spcBef>
+                <a:spcPts val="0"/>
+              </a:spcBef>
+              <a:spcAft>
+                <a:spcPts val="0"/>
+              </a:spcAft>
+              <a:buNone/>
+            </a:pPr>
+            <a:r>
+              <a:rPr lang="en" sz="900">
+                <a:solidFill>
+                  <a:srgbClr val="FFFFFF"/>
+                </a:solidFill>
+              </a:rPr>
+              <a:t>AND WE REALLY GO TO NO EACH OTHER ON DEEPER LEVEL.</a:t>
+            </a:r>
+            <a:endParaRPr sz="900">
+              <a:solidFill>
+                <a:srgbClr val="FFFFFF"/>
+              </a:solidFill>
+            </a:endParaRPr>
+          </a:p>
+        </p:txBody>
+      </p:sp>
+      <p:sp>
+        <p:nvSpPr>
+          <p:cNvPr id="288" name="Google Shape;288;p14"/>
+          <p:cNvSpPr/>
+          <p:nvPr/>
+        </p:nvSpPr>
+        <p:spPr>
+          <a:xfrm>
+            <a:off x="1099300" y="4666950"/>
+            <a:ext cx="799500" cy="174900"/>
+          </a:xfrm>
+          <a:prstGeom prst="rightArrow">
+            <a:avLst>
+              <a:gd fmla="val 50000" name="adj1"/>
+              <a:gd fmla="val 50000" name="adj2"/>
+            </a:avLst>
+          </a:prstGeom>
+          <a:solidFill>
+            <a:srgbClr val="FF0000"/>
+          </a:solidFill>
+          <a:ln cap="flat" cmpd="sng" w="9525">
+            <a:solidFill>
+              <a:schemeClr val="dk2"/>
+            </a:solidFill>
+            <a:prstDash val="solid"/>
+            <a:round/>
+            <a:headEnd len="sm" w="sm" type="none"/>
+            <a:tailEnd len="sm" w="sm" type="none"/>
+          </a:ln>
+        </p:spPr>
+        <p:txBody>
+          <a:bodyPr anchorCtr="0" anchor="ctr" bIns="91425" lIns="91425" spcFirstLastPara="1" rIns="91425" wrap="square" tIns="91425">
+            <a:noAutofit/>
+          </a:bodyPr>
+          <a:lstStyle/>
+          <a:p>
+            <a:pPr indent="0" lvl="0" marL="0" rtl="0" algn="l">
+              <a:spcBef>
+                <a:spcPts val="0"/>
+              </a:spcBef>
+              <a:spcAft>
+                <a:spcPts val="0"/>
+              </a:spcAft>
+              <a:buNone/>
+            </a:pPr>
+            <a:r>
+              <a:t/>
+            </a:r>
+            <a:endParaRPr/>
+          </a:p>
+        </p:txBody>
+      </p:sp>
+      <p:sp>
+        <p:nvSpPr>
+          <p:cNvPr id="289" name="Google Shape;289;p14"/>
+          <p:cNvSpPr txBox="1"/>
+          <p:nvPr/>
+        </p:nvSpPr>
+        <p:spPr>
+          <a:xfrm>
+            <a:off x="0" y="4597150"/>
+            <a:ext cx="1099500" cy="302100"/>
+          </a:xfrm>
+          <a:prstGeom prst="rect">
+            <a:avLst/>
+          </a:prstGeom>
+          <a:noFill/>
+          <a:ln>
+            <a:noFill/>
+          </a:ln>
+        </p:spPr>
+        <p:txBody>
+          <a:bodyPr anchorCtr="0" anchor="t" bIns="91425" lIns="91425" spcFirstLastPara="1" rIns="91425" wrap="square" tIns="91425">
+            <a:noAutofit/>
+          </a:bodyPr>
+          <a:lstStyle/>
+          <a:p>
+            <a:pPr indent="0" lvl="0" marL="0" rtl="0" algn="l">
+              <a:spcBef>
+                <a:spcPts val="0"/>
+              </a:spcBef>
+              <a:spcAft>
+                <a:spcPts val="0"/>
+              </a:spcAft>
+              <a:buNone/>
+            </a:pPr>
+            <a:r>
+              <a:rPr lang="en" sz="1000">
+                <a:latin typeface="Nunito"/>
+                <a:ea typeface="Nunito"/>
+                <a:cs typeface="Nunito"/>
+                <a:sym typeface="Nunito"/>
+              </a:rPr>
+              <a:t>Actually Spoken</a:t>
+            </a:r>
+            <a:endParaRPr sz="1000">
+              <a:latin typeface="Nunito"/>
+              <a:ea typeface="Nunito"/>
+              <a:cs typeface="Nunito"/>
+              <a:sym typeface="Nunito"/>
+            </a:endParaRPr>
+          </a:p>
+        </p:txBody>
+      </p:sp>
+      <p:sp>
+        <p:nvSpPr>
+          <p:cNvPr id="290" name="Google Shape;290;p14"/>
+          <p:cNvSpPr/>
+          <p:nvPr/>
+        </p:nvSpPr>
+        <p:spPr>
+          <a:xfrm rot="10800000">
+            <a:off x="7657100" y="4603350"/>
+            <a:ext cx="494100" cy="174900"/>
+          </a:xfrm>
+          <a:prstGeom prst="rightArrow">
+            <a:avLst>
+              <a:gd fmla="val 50000" name="adj1"/>
+              <a:gd fmla="val 50000" name="adj2"/>
+            </a:avLst>
+          </a:prstGeom>
+          <a:solidFill>
+            <a:srgbClr val="FF0000"/>
+          </a:solidFill>
+          <a:ln cap="flat" cmpd="sng" w="9525">
+            <a:solidFill>
+              <a:schemeClr val="dk2"/>
+            </a:solidFill>
+            <a:prstDash val="solid"/>
+            <a:round/>
+            <a:headEnd len="sm" w="sm" type="none"/>
+            <a:tailEnd len="sm" w="sm" type="none"/>
+          </a:ln>
+        </p:spPr>
+        <p:txBody>
+          <a:bodyPr anchorCtr="0" anchor="ctr" bIns="91425" lIns="91425" spcFirstLastPara="1" rIns="91425" wrap="square" tIns="91425">
+            <a:noAutofit/>
+          </a:bodyPr>
+          <a:lstStyle/>
+          <a:p>
+            <a:pPr indent="0" lvl="0" marL="0" rtl="0" algn="l">
+              <a:spcBef>
+                <a:spcPts val="0"/>
+              </a:spcBef>
+              <a:spcAft>
+                <a:spcPts val="0"/>
+              </a:spcAft>
+              <a:buNone/>
+            </a:pPr>
+            <a:r>
+              <a:t/>
+            </a:r>
+            <a:endParaRPr/>
+          </a:p>
+        </p:txBody>
+      </p:sp>
+      <p:sp>
+        <p:nvSpPr>
+          <p:cNvPr id="291" name="Google Shape;291;p14"/>
+          <p:cNvSpPr txBox="1"/>
+          <p:nvPr/>
+        </p:nvSpPr>
+        <p:spPr>
+          <a:xfrm>
+            <a:off x="8113650" y="4476138"/>
+            <a:ext cx="1099500" cy="302100"/>
+          </a:xfrm>
+          <a:prstGeom prst="rect">
+            <a:avLst/>
+          </a:prstGeom>
+          <a:noFill/>
+          <a:ln>
+            <a:noFill/>
+          </a:ln>
+        </p:spPr>
+        <p:txBody>
+          <a:bodyPr anchorCtr="0" anchor="t" bIns="91425" lIns="91425" spcFirstLastPara="1" rIns="91425" wrap="square" tIns="91425">
+            <a:noAutofit/>
+          </a:bodyPr>
+          <a:lstStyle/>
+          <a:p>
+            <a:pPr indent="0" lvl="0" marL="0" rtl="0" algn="l">
+              <a:spcBef>
+                <a:spcPts val="0"/>
+              </a:spcBef>
+              <a:spcAft>
+                <a:spcPts val="0"/>
+              </a:spcAft>
+              <a:buNone/>
+            </a:pPr>
+            <a:r>
+              <a:rPr lang="en" sz="1000">
+                <a:latin typeface="Nunito"/>
+                <a:ea typeface="Nunito"/>
+                <a:cs typeface="Nunito"/>
+                <a:sym typeface="Nunito"/>
+              </a:rPr>
+              <a:t>Actually Shown</a:t>
+            </a:r>
+            <a:endParaRPr sz="1000">
+              <a:latin typeface="Nunito"/>
+              <a:ea typeface="Nunito"/>
+              <a:cs typeface="Nunito"/>
+              <a:sym typeface="Nunito"/>
+            </a:endParaRPr>
           </a:p>
         </p:txBody>
       </p:sp>
@@ -16982,7 +17879,7 @@
   <p:cSld>
     <p:spTree>
       <p:nvGrpSpPr>
-        <p:cNvPr id="288" name="Shape 288"/>
+        <p:cNvPr id="295" name="Shape 295"/>
         <p:cNvGrpSpPr/>
         <p:nvPr/>
       </p:nvGrpSpPr>
@@ -16996,7 +17893,7 @@
       </p:grpSpPr>
       <p:sp>
         <p:nvSpPr>
-          <p:cNvPr id="289" name="Google Shape;289;p15"/>
+          <p:cNvPr id="296" name="Google Shape;296;p15"/>
           <p:cNvSpPr txBox="1"/>
           <p:nvPr>
             <p:ph type="title"/>
@@ -17028,7 +17925,7 @@
             </a:pPr>
             <a:r>
               <a:rPr lang="en"/>
-              <a:t>What challenges covid-19 brings for HCI researchers?</a:t>
+              <a:t>What challenges covid-19 brings for HCI researchers in conducting interview?</a:t>
             </a:r>
             <a:endParaRPr/>
           </a:p>
@@ -17036,7 +17933,7 @@
       </p:sp>
       <p:sp>
         <p:nvSpPr>
-          <p:cNvPr id="290" name="Google Shape;290;p15"/>
+          <p:cNvPr id="297" name="Google Shape;297;p15"/>
           <p:cNvSpPr txBox="1"/>
           <p:nvPr>
             <p:ph idx="1" type="body"/>
@@ -17045,7 +17942,7 @@
         <p:spPr>
           <a:xfrm>
             <a:off x="1303800" y="1990050"/>
-            <a:ext cx="7030500" cy="2541600"/>
+            <a:ext cx="7030500" cy="879000"/>
           </a:xfrm>
           <a:prstGeom prst="rect">
             <a:avLst/>
@@ -17057,12 +17954,156 @@
           </a:bodyPr>
           <a:lstStyle/>
           <a:p>
+            <a:pPr indent="-311150" lvl="0" marL="457200" rtl="0" algn="l">
+              <a:spcBef>
+                <a:spcPts val="0"/>
+              </a:spcBef>
+              <a:spcAft>
+                <a:spcPts val="0"/>
+              </a:spcAft>
+              <a:buSzPts val="1300"/>
+              <a:buChar char="●"/>
+            </a:pPr>
+            <a:r>
+              <a:rPr lang="en"/>
+              <a:t>Data Collection</a:t>
+            </a:r>
+            <a:endParaRPr/>
+          </a:p>
+          <a:p>
+            <a:pPr indent="-311150" lvl="0" marL="457200" rtl="0" algn="l">
+              <a:spcBef>
+                <a:spcPts val="0"/>
+              </a:spcBef>
+              <a:spcAft>
+                <a:spcPts val="0"/>
+              </a:spcAft>
+              <a:buSzPts val="1300"/>
+              <a:buChar char="●"/>
+            </a:pPr>
+            <a:r>
+              <a:rPr lang="en"/>
+              <a:t>Experiment Design</a:t>
+            </a:r>
+            <a:endParaRPr/>
+          </a:p>
+          <a:p>
+            <a:pPr indent="-311150" lvl="0" marL="457200" rtl="0" algn="l">
+              <a:spcBef>
+                <a:spcPts val="0"/>
+              </a:spcBef>
+              <a:spcAft>
+                <a:spcPts val="0"/>
+              </a:spcAft>
+              <a:buSzPts val="1300"/>
+              <a:buChar char="●"/>
+            </a:pPr>
+            <a:r>
+              <a:rPr lang="en"/>
+              <a:t>Privacy </a:t>
+            </a:r>
+            <a:endParaRPr/>
+          </a:p>
+        </p:txBody>
+      </p:sp>
+      <p:pic>
+        <p:nvPicPr>
+          <p:cNvPr id="298" name="Google Shape;298;p15"/>
+          <p:cNvPicPr preferRelativeResize="0"/>
+          <p:nvPr/>
+        </p:nvPicPr>
+        <p:blipFill>
+          <a:blip r:embed="rId3">
+            <a:alphaModFix/>
+          </a:blip>
+          <a:stretch>
+            <a:fillRect/>
+          </a:stretch>
+        </p:blipFill>
+        <p:spPr>
+          <a:xfrm>
+            <a:off x="1188500" y="2868950"/>
+            <a:ext cx="2269275" cy="2269275"/>
+          </a:xfrm>
+          <a:prstGeom prst="rect">
+            <a:avLst/>
+          </a:prstGeom>
+          <a:noFill/>
+          <a:ln>
+            <a:noFill/>
+          </a:ln>
+        </p:spPr>
+      </p:pic>
+      <p:pic>
+        <p:nvPicPr>
+          <p:cNvPr id="299" name="Google Shape;299;p15"/>
+          <p:cNvPicPr preferRelativeResize="0"/>
+          <p:nvPr/>
+        </p:nvPicPr>
+        <p:blipFill>
+          <a:blip r:embed="rId4">
+            <a:alphaModFix/>
+          </a:blip>
+          <a:stretch>
+            <a:fillRect/>
+          </a:stretch>
+        </p:blipFill>
+        <p:spPr>
+          <a:xfrm>
+            <a:off x="5445875" y="3018763"/>
+            <a:ext cx="2626200" cy="1969650"/>
+          </a:xfrm>
+          <a:prstGeom prst="rect">
+            <a:avLst/>
+          </a:prstGeom>
+          <a:noFill/>
+          <a:ln>
+            <a:noFill/>
+          </a:ln>
+        </p:spPr>
+      </p:pic>
+      <p:sp>
+        <p:nvSpPr>
+          <p:cNvPr id="300" name="Google Shape;300;p15"/>
+          <p:cNvSpPr/>
+          <p:nvPr/>
+        </p:nvSpPr>
+        <p:spPr>
+          <a:xfrm>
+            <a:off x="3813150" y="4016975"/>
+            <a:ext cx="1098900" cy="207000"/>
+          </a:xfrm>
+          <a:prstGeom prst="rightArrow">
+            <a:avLst>
+              <a:gd fmla="val 50000" name="adj1"/>
+              <a:gd fmla="val 50000" name="adj2"/>
+            </a:avLst>
+          </a:prstGeom>
+          <a:solidFill>
+            <a:srgbClr val="FF0000"/>
+          </a:solidFill>
+          <a:ln cap="flat" cmpd="sng" w="9525">
+            <a:solidFill>
+              <a:schemeClr val="dk2"/>
+            </a:solidFill>
+            <a:prstDash val="solid"/>
+            <a:round/>
+            <a:headEnd len="sm" w="sm" type="none"/>
+            <a:tailEnd len="sm" w="sm" type="none"/>
+          </a:ln>
+        </p:spPr>
+        <p:txBody>
+          <a:bodyPr anchorCtr="0" anchor="ctr" bIns="91425" lIns="91425" spcFirstLastPara="1" rIns="91425" wrap="square" tIns="91425">
+            <a:noAutofit/>
+          </a:bodyPr>
+          <a:lstStyle/>
+          <a:p>
             <a:pPr indent="0" lvl="0" marL="0" rtl="0" algn="l">
               <a:spcBef>
                 <a:spcPts val="0"/>
               </a:spcBef>
               <a:spcAft>
-                <a:spcPts val="1600"/>
+                <a:spcPts val="0"/>
               </a:spcAft>
               <a:buNone/>
             </a:pPr>
@@ -17086,7 +18127,7 @@
   <p:cSld>
     <p:spTree>
       <p:nvGrpSpPr>
-        <p:cNvPr id="294" name="Shape 294"/>
+        <p:cNvPr id="304" name="Shape 304"/>
         <p:cNvGrpSpPr/>
         <p:nvPr/>
       </p:nvGrpSpPr>
@@ -17100,7 +18141,7 @@
       </p:grpSpPr>
       <p:sp>
         <p:nvSpPr>
-          <p:cNvPr id="295" name="Google Shape;295;p16"/>
+          <p:cNvPr id="305" name="Google Shape;305;p16"/>
           <p:cNvSpPr txBox="1"/>
           <p:nvPr>
             <p:ph type="title"/>
@@ -17140,7 +18181,7 @@
       </p:sp>
       <p:sp>
         <p:nvSpPr>
-          <p:cNvPr id="296" name="Google Shape;296;p16"/>
+          <p:cNvPr id="306" name="Google Shape;306;p16"/>
           <p:cNvSpPr txBox="1"/>
           <p:nvPr>
             <p:ph idx="1" type="body"/>
@@ -17161,17 +18202,240 @@
           </a:bodyPr>
           <a:lstStyle/>
           <a:p>
-            <a:pPr indent="0" lvl="0" marL="0" rtl="0" algn="l">
-              <a:spcBef>
-                <a:spcPts val="0"/>
-              </a:spcBef>
-              <a:spcAft>
-                <a:spcPts val="1600"/>
-              </a:spcAft>
-              <a:buNone/>
+            <a:pPr indent="-311150" lvl="0" marL="457200" rtl="0" algn="l">
+              <a:spcBef>
+                <a:spcPts val="0"/>
+              </a:spcBef>
+              <a:spcAft>
+                <a:spcPts val="0"/>
+              </a:spcAft>
+              <a:buSzPts val="1300"/>
+              <a:buChar char="●"/>
             </a:pPr>
             <a:r>
-              <a:t/>
+              <a:rPr lang="en"/>
+              <a:t>Data Collection</a:t>
+            </a:r>
+            <a:endParaRPr/>
+          </a:p>
+          <a:p>
+            <a:pPr indent="-298450" lvl="1" marL="914400" rtl="0" algn="l">
+              <a:spcBef>
+                <a:spcPts val="0"/>
+              </a:spcBef>
+              <a:spcAft>
+                <a:spcPts val="0"/>
+              </a:spcAft>
+              <a:buSzPts val="1100"/>
+              <a:buChar char="○"/>
+            </a:pPr>
+            <a:r>
+              <a:rPr lang="en"/>
+              <a:t>Develop Website (Best Framework: </a:t>
+            </a:r>
+            <a:r>
+              <a:rPr b="1" lang="en" sz="1050" u="sng">
+                <a:solidFill>
+                  <a:schemeClr val="hlink"/>
+                </a:solidFill>
+                <a:latin typeface="Roboto"/>
+                <a:ea typeface="Roboto"/>
+                <a:cs typeface="Roboto"/>
+                <a:sym typeface="Roboto"/>
+                <a:hlinkClick r:id="rId3"/>
+              </a:rPr>
+              <a:t>jsPsych</a:t>
+            </a:r>
+            <a:r>
+              <a:rPr lang="en"/>
+              <a:t>)</a:t>
+            </a:r>
+            <a:endParaRPr/>
+          </a:p>
+          <a:p>
+            <a:pPr indent="-298450" lvl="1" marL="914400" rtl="0" algn="l">
+              <a:spcBef>
+                <a:spcPts val="0"/>
+              </a:spcBef>
+              <a:spcAft>
+                <a:spcPts val="0"/>
+              </a:spcAft>
+              <a:buSzPts val="1100"/>
+              <a:buChar char="○"/>
+            </a:pPr>
+            <a:r>
+              <a:rPr lang="en"/>
+              <a:t>Google Form</a:t>
+            </a:r>
+            <a:endParaRPr/>
+          </a:p>
+          <a:p>
+            <a:pPr indent="-298450" lvl="1" marL="914400" rtl="0" algn="l">
+              <a:spcBef>
+                <a:spcPts val="0"/>
+              </a:spcBef>
+              <a:spcAft>
+                <a:spcPts val="0"/>
+              </a:spcAft>
+              <a:buSzPts val="1100"/>
+              <a:buChar char="○"/>
+            </a:pPr>
+            <a:r>
+              <a:rPr lang="en"/>
+              <a:t>SurveyMonkey or others</a:t>
+            </a:r>
+            <a:endParaRPr/>
+          </a:p>
+          <a:p>
+            <a:pPr indent="-311150" lvl="0" marL="457200" rtl="0" algn="l">
+              <a:spcBef>
+                <a:spcPts val="0"/>
+              </a:spcBef>
+              <a:spcAft>
+                <a:spcPts val="0"/>
+              </a:spcAft>
+              <a:buSzPts val="1300"/>
+              <a:buChar char="●"/>
+            </a:pPr>
+            <a:r>
+              <a:rPr lang="en"/>
+              <a:t>Experiment Design</a:t>
+            </a:r>
+            <a:endParaRPr/>
+          </a:p>
+          <a:p>
+            <a:pPr indent="-298450" lvl="1" marL="914400" rtl="0" algn="l">
+              <a:spcBef>
+                <a:spcPts val="0"/>
+              </a:spcBef>
+              <a:spcAft>
+                <a:spcPts val="0"/>
+              </a:spcAft>
+              <a:buSzPts val="1100"/>
+              <a:buChar char="○"/>
+            </a:pPr>
+            <a:r>
+              <a:rPr lang="en"/>
+              <a:t>IRB approval</a:t>
+            </a:r>
+            <a:endParaRPr/>
+          </a:p>
+          <a:p>
+            <a:pPr indent="-298450" lvl="1" marL="914400" rtl="0" algn="l">
+              <a:spcBef>
+                <a:spcPts val="0"/>
+              </a:spcBef>
+              <a:spcAft>
+                <a:spcPts val="0"/>
+              </a:spcAft>
+              <a:buSzPts val="1100"/>
+              <a:buChar char="○"/>
+            </a:pPr>
+            <a:r>
+              <a:rPr lang="en"/>
+              <a:t>Recording Video???</a:t>
+            </a:r>
+            <a:endParaRPr/>
+          </a:p>
+          <a:p>
+            <a:pPr indent="-298450" lvl="1" marL="914400" rtl="0" algn="l">
+              <a:spcBef>
+                <a:spcPts val="0"/>
+              </a:spcBef>
+              <a:spcAft>
+                <a:spcPts val="0"/>
+              </a:spcAft>
+              <a:buSzPts val="1100"/>
+              <a:buChar char="○"/>
+            </a:pPr>
+            <a:r>
+              <a:rPr lang="en"/>
+              <a:t>Digitally Signed Consent Form</a:t>
+            </a:r>
+            <a:endParaRPr/>
+          </a:p>
+          <a:p>
+            <a:pPr indent="-298450" lvl="1" marL="914400" rtl="0" algn="l">
+              <a:spcBef>
+                <a:spcPts val="0"/>
+              </a:spcBef>
+              <a:spcAft>
+                <a:spcPts val="0"/>
+              </a:spcAft>
+              <a:buSzPts val="1100"/>
+              <a:buChar char="○"/>
+            </a:pPr>
+            <a:r>
+              <a:rPr lang="en"/>
+              <a:t>Browser Compatibility</a:t>
+            </a:r>
+            <a:endParaRPr/>
+          </a:p>
+          <a:p>
+            <a:pPr indent="-311150" lvl="0" marL="457200" rtl="0" algn="l">
+              <a:spcBef>
+                <a:spcPts val="0"/>
+              </a:spcBef>
+              <a:spcAft>
+                <a:spcPts val="0"/>
+              </a:spcAft>
+              <a:buSzPts val="1300"/>
+              <a:buChar char="●"/>
+            </a:pPr>
+            <a:r>
+              <a:rPr lang="en"/>
+              <a:t>Privacy</a:t>
+            </a:r>
+            <a:endParaRPr/>
+          </a:p>
+          <a:p>
+            <a:pPr indent="-298450" lvl="1" marL="914400" rtl="0" algn="l">
+              <a:spcBef>
+                <a:spcPts val="0"/>
+              </a:spcBef>
+              <a:spcAft>
+                <a:spcPts val="0"/>
+              </a:spcAft>
+              <a:buSzPts val="1100"/>
+              <a:buChar char="○"/>
+            </a:pPr>
+            <a:r>
+              <a:rPr lang="en"/>
+              <a:t>Private Zoom/Google Room </a:t>
+            </a:r>
+            <a:endParaRPr/>
+          </a:p>
+          <a:p>
+            <a:pPr indent="-298450" lvl="1" marL="914400" rtl="0" algn="l">
+              <a:spcBef>
+                <a:spcPts val="0"/>
+              </a:spcBef>
+              <a:spcAft>
+                <a:spcPts val="0"/>
+              </a:spcAft>
+              <a:buSzPts val="1100"/>
+              <a:buChar char="○"/>
+            </a:pPr>
+            <a:r>
+              <a:rPr lang="en"/>
+              <a:t>Limited Time Video Storage</a:t>
+            </a:r>
+            <a:endParaRPr/>
+          </a:p>
+          <a:p>
+            <a:pPr indent="-298450" lvl="1" marL="914400" rtl="0" algn="l">
+              <a:spcBef>
+                <a:spcPts val="0"/>
+              </a:spcBef>
+              <a:spcAft>
+                <a:spcPts val="0"/>
+              </a:spcAft>
+              <a:buSzPts val="1100"/>
+              <a:buChar char="○"/>
+            </a:pPr>
+            <a:r>
+              <a:rPr lang="en"/>
+              <a:t>Payment Information</a:t>
             </a:r>
             <a:endParaRPr/>
           </a:p>
@@ -17190,7 +18454,7 @@
   <p:cSld>
     <p:spTree>
       <p:nvGrpSpPr>
-        <p:cNvPr id="300" name="Shape 300"/>
+        <p:cNvPr id="310" name="Shape 310"/>
         <p:cNvGrpSpPr/>
         <p:nvPr/>
       </p:nvGrpSpPr>
@@ -17204,7 +18468,7 @@
       </p:grpSpPr>
       <p:sp>
         <p:nvSpPr>
-          <p:cNvPr id="301" name="Google Shape;301;p17"/>
+          <p:cNvPr id="311" name="Google Shape;311;p17"/>
           <p:cNvSpPr txBox="1"/>
           <p:nvPr>
             <p:ph type="title"/>
@@ -17248,7 +18512,7 @@
       </p:sp>
       <p:sp>
         <p:nvSpPr>
-          <p:cNvPr id="302" name="Google Shape;302;p17"/>
+          <p:cNvPr id="312" name="Google Shape;312;p17"/>
           <p:cNvSpPr txBox="1"/>
           <p:nvPr>
             <p:ph idx="1" type="body"/>
@@ -17256,8 +18520,8 @@
         </p:nvSpPr>
         <p:spPr>
           <a:xfrm>
-            <a:off x="1303800" y="1990050"/>
-            <a:ext cx="7030500" cy="2541600"/>
+            <a:off x="298850" y="1990050"/>
+            <a:ext cx="3648900" cy="2541600"/>
           </a:xfrm>
           <a:prstGeom prst="rect">
             <a:avLst/>
@@ -17269,9 +18533,209 @@
           </a:bodyPr>
           <a:lstStyle/>
           <a:p>
-            <a:pPr indent="0" lvl="0" marL="0" rtl="0" algn="l">
-              <a:spcBef>
-                <a:spcPts val="0"/>
+            <a:pPr indent="0" lvl="0" marL="457200" rtl="0" algn="ctr">
+              <a:spcBef>
+                <a:spcPts val="0"/>
+              </a:spcBef>
+              <a:spcAft>
+                <a:spcPts val="0"/>
+              </a:spcAft>
+              <a:buNone/>
+            </a:pPr>
+            <a:r>
+              <a:rPr b="1" lang="en" sz="1700"/>
+              <a:t>Pros</a:t>
+            </a:r>
+            <a:endParaRPr b="1" sz="1700"/>
+          </a:p>
+          <a:p>
+            <a:pPr indent="-311150" lvl="0" marL="457200" rtl="0" algn="l">
+              <a:spcBef>
+                <a:spcPts val="1600"/>
+              </a:spcBef>
+              <a:spcAft>
+                <a:spcPts val="0"/>
+              </a:spcAft>
+              <a:buSzPts val="1300"/>
+              <a:buChar char="●"/>
+            </a:pPr>
+            <a:r>
+              <a:rPr lang="en"/>
+              <a:t>Participants’ Economic and Time Savings.</a:t>
+            </a:r>
+            <a:endParaRPr/>
+          </a:p>
+          <a:p>
+            <a:pPr indent="-311150" lvl="0" marL="457200" rtl="0" algn="l">
+              <a:spcBef>
+                <a:spcPts val="0"/>
+              </a:spcBef>
+              <a:spcAft>
+                <a:spcPts val="0"/>
+              </a:spcAft>
+              <a:buSzPts val="1300"/>
+              <a:buChar char="●"/>
+            </a:pPr>
+            <a:r>
+              <a:rPr lang="en"/>
+              <a:t>Circumstantial Precondition Ensured.</a:t>
+            </a:r>
+            <a:endParaRPr/>
+          </a:p>
+          <a:p>
+            <a:pPr indent="-311150" lvl="0" marL="457200" rtl="0" algn="l">
+              <a:spcBef>
+                <a:spcPts val="0"/>
+              </a:spcBef>
+              <a:spcAft>
+                <a:spcPts val="0"/>
+              </a:spcAft>
+              <a:buSzPts val="1300"/>
+              <a:buChar char="●"/>
+            </a:pPr>
+            <a:r>
+              <a:rPr lang="en"/>
+              <a:t>Convenient Monitoring.</a:t>
+            </a:r>
+            <a:endParaRPr/>
+          </a:p>
+          <a:p>
+            <a:pPr indent="-311150" lvl="0" marL="457200" rtl="0" algn="l">
+              <a:spcBef>
+                <a:spcPts val="0"/>
+              </a:spcBef>
+              <a:spcAft>
+                <a:spcPts val="0"/>
+              </a:spcAft>
+              <a:buSzPts val="1300"/>
+              <a:buChar char="●"/>
+            </a:pPr>
+            <a:r>
+              <a:rPr lang="en"/>
+              <a:t>Convenient Communication Setup.</a:t>
+            </a:r>
+            <a:endParaRPr/>
+          </a:p>
+        </p:txBody>
+      </p:sp>
+      <p:sp>
+        <p:nvSpPr>
+          <p:cNvPr id="313" name="Google Shape;313;p17"/>
+          <p:cNvSpPr txBox="1"/>
+          <p:nvPr>
+            <p:ph idx="1" type="body"/>
+          </p:nvPr>
+        </p:nvSpPr>
+        <p:spPr>
+          <a:xfrm>
+            <a:off x="4866725" y="1990050"/>
+            <a:ext cx="3648900" cy="2541600"/>
+          </a:xfrm>
+          <a:prstGeom prst="rect">
+            <a:avLst/>
+          </a:prstGeom>
+        </p:spPr>
+        <p:txBody>
+          <a:bodyPr anchorCtr="0" anchor="t" bIns="91425" lIns="91425" spcFirstLastPara="1" rIns="91425" wrap="square" tIns="91425">
+            <a:noAutofit/>
+          </a:bodyPr>
+          <a:lstStyle/>
+          <a:p>
+            <a:pPr indent="0" lvl="0" marL="457200" rtl="0" algn="ctr">
+              <a:spcBef>
+                <a:spcPts val="0"/>
+              </a:spcBef>
+              <a:spcAft>
+                <a:spcPts val="0"/>
+              </a:spcAft>
+              <a:buNone/>
+            </a:pPr>
+            <a:r>
+              <a:rPr b="1" lang="en" sz="1700"/>
+              <a:t>Cons</a:t>
+            </a:r>
+            <a:endParaRPr b="1" sz="1700"/>
+          </a:p>
+          <a:p>
+            <a:pPr indent="-311150" lvl="0" marL="457200" rtl="0" algn="l">
+              <a:spcBef>
+                <a:spcPts val="1600"/>
+              </a:spcBef>
+              <a:spcAft>
+                <a:spcPts val="0"/>
+              </a:spcAft>
+              <a:buSzPts val="1300"/>
+              <a:buChar char="●"/>
+            </a:pPr>
+            <a:r>
+              <a:rPr lang="en"/>
+              <a:t>Continuous Communication and Reminder.</a:t>
+            </a:r>
+            <a:endParaRPr/>
+          </a:p>
+          <a:p>
+            <a:pPr indent="-311150" lvl="0" marL="457200" rtl="0" algn="l">
+              <a:spcBef>
+                <a:spcPts val="0"/>
+              </a:spcBef>
+              <a:spcAft>
+                <a:spcPts val="0"/>
+              </a:spcAft>
+              <a:buSzPts val="1300"/>
+              <a:buChar char="●"/>
+            </a:pPr>
+            <a:r>
+              <a:rPr lang="en"/>
+              <a:t>Handling </a:t>
+            </a:r>
+            <a:r>
+              <a:rPr lang="en"/>
+              <a:t>Technical Difficulties.</a:t>
+            </a:r>
+            <a:endParaRPr/>
+          </a:p>
+          <a:p>
+            <a:pPr indent="-311150" lvl="0" marL="457200" rtl="0" algn="l">
+              <a:spcBef>
+                <a:spcPts val="0"/>
+              </a:spcBef>
+              <a:spcAft>
+                <a:spcPts val="0"/>
+              </a:spcAft>
+              <a:buSzPts val="1300"/>
+              <a:buChar char="●"/>
+            </a:pPr>
+            <a:r>
+              <a:rPr lang="en"/>
+              <a:t>Instant Decision Making.</a:t>
+            </a:r>
+            <a:endParaRPr/>
+          </a:p>
+          <a:p>
+            <a:pPr indent="-311150" lvl="0" marL="457200" rtl="0" algn="l">
+              <a:spcBef>
+                <a:spcPts val="0"/>
+              </a:spcBef>
+              <a:spcAft>
+                <a:spcPts val="0"/>
+              </a:spcAft>
+              <a:buSzPts val="1300"/>
+              <a:buChar char="●"/>
+            </a:pPr>
+            <a:r>
+              <a:rPr lang="en"/>
+              <a:t>Lengthy Payment Process.</a:t>
+            </a:r>
+            <a:r>
+              <a:rPr lang="en"/>
+              <a:t> </a:t>
+            </a:r>
+            <a:endParaRPr/>
+          </a:p>
+          <a:p>
+            <a:pPr indent="0" lvl="0" marL="457200" rtl="0" algn="ctr">
+              <a:spcBef>
+                <a:spcPts val="1600"/>
               </a:spcBef>
               <a:spcAft>
                 <a:spcPts val="1600"/>
@@ -17281,7 +18745,7 @@
             <a:r>
               <a:t/>
             </a:r>
-            <a:endParaRPr/>
+            <a:endParaRPr b="1" sz="1700"/>
           </a:p>
         </p:txBody>
       </p:sp>
@@ -17298,7 +18762,7 @@
   <p:cSld>
     <p:spTree>
       <p:nvGrpSpPr>
-        <p:cNvPr id="306" name="Shape 306"/>
+        <p:cNvPr id="317" name="Shape 317"/>
         <p:cNvGrpSpPr/>
         <p:nvPr/>
       </p:nvGrpSpPr>
@@ -17312,7 +18776,7 @@
       </p:grpSpPr>
       <p:sp>
         <p:nvSpPr>
-          <p:cNvPr id="307" name="Google Shape;307;p18"/>
+          <p:cNvPr id="318" name="Google Shape;318;p18"/>
           <p:cNvSpPr txBox="1"/>
           <p:nvPr>
             <p:ph type="title"/>
@@ -17352,7 +18816,7 @@
       </p:sp>
       <p:sp>
         <p:nvSpPr>
-          <p:cNvPr id="308" name="Google Shape;308;p18"/>
+          <p:cNvPr id="319" name="Google Shape;319;p18"/>
           <p:cNvSpPr txBox="1"/>
           <p:nvPr>
             <p:ph idx="1" type="body"/>
@@ -17361,7 +18825,7 @@
         <p:spPr>
           <a:xfrm>
             <a:off x="1303800" y="1990050"/>
-            <a:ext cx="7030500" cy="2541600"/>
+            <a:ext cx="7030500" cy="1135800"/>
           </a:xfrm>
           <a:prstGeom prst="rect">
             <a:avLst/>
@@ -17378,17 +18842,190 @@
                 <a:spcPts val="0"/>
               </a:spcBef>
               <a:spcAft>
-                <a:spcPts val="1600"/>
+                <a:spcPts val="0"/>
               </a:spcAft>
               <a:buNone/>
             </a:pPr>
             <a:r>
-              <a:t/>
+              <a:rPr b="1" lang="en"/>
+              <a:t>Scenario: </a:t>
+            </a:r>
+            <a:r>
+              <a:rPr b="1" lang="en"/>
+              <a:t>Camera Broken</a:t>
+            </a:r>
+            <a:endParaRPr b="1"/>
+          </a:p>
+          <a:p>
+            <a:pPr indent="-311150" lvl="0" marL="457200" rtl="0" algn="l">
+              <a:spcBef>
+                <a:spcPts val="1600"/>
+              </a:spcBef>
+              <a:spcAft>
+                <a:spcPts val="0"/>
+              </a:spcAft>
+              <a:buSzPts val="1300"/>
+              <a:buChar char="●"/>
+            </a:pPr>
+            <a:r>
+              <a:rPr lang="en"/>
+              <a:t>Unable to watch facial expression.</a:t>
+            </a:r>
+            <a:endParaRPr/>
+          </a:p>
+          <a:p>
+            <a:pPr indent="-311150" lvl="0" marL="457200" rtl="0" algn="l">
+              <a:spcBef>
+                <a:spcPts val="0"/>
+              </a:spcBef>
+              <a:spcAft>
+                <a:spcPts val="0"/>
+              </a:spcAft>
+              <a:buSzPts val="1300"/>
+              <a:buChar char="●"/>
+            </a:pPr>
+            <a:r>
+              <a:rPr lang="en"/>
+              <a:t>Unable to ask any follow-up question.</a:t>
             </a:r>
             <a:endParaRPr/>
           </a:p>
         </p:txBody>
       </p:sp>
+      <p:pic>
+        <p:nvPicPr>
+          <p:cNvPr id="320" name="Google Shape;320;p18"/>
+          <p:cNvPicPr preferRelativeResize="0"/>
+          <p:nvPr/>
+        </p:nvPicPr>
+        <p:blipFill>
+          <a:blip r:embed="rId3">
+            <a:alphaModFix/>
+          </a:blip>
+          <a:stretch>
+            <a:fillRect/>
+          </a:stretch>
+        </p:blipFill>
+        <p:spPr>
+          <a:xfrm>
+            <a:off x="5739300" y="1990050"/>
+            <a:ext cx="2594999" cy="1135875"/>
+          </a:xfrm>
+          <a:prstGeom prst="rect">
+            <a:avLst/>
+          </a:prstGeom>
+          <a:noFill/>
+          <a:ln>
+            <a:noFill/>
+          </a:ln>
+        </p:spPr>
+      </p:pic>
+      <p:sp>
+        <p:nvSpPr>
+          <p:cNvPr id="321" name="Google Shape;321;p18"/>
+          <p:cNvSpPr txBox="1"/>
+          <p:nvPr>
+            <p:ph idx="1" type="body"/>
+          </p:nvPr>
+        </p:nvSpPr>
+        <p:spPr>
+          <a:xfrm>
+            <a:off x="1303800" y="3334125"/>
+            <a:ext cx="7030500" cy="1135800"/>
+          </a:xfrm>
+          <a:prstGeom prst="rect">
+            <a:avLst/>
+          </a:prstGeom>
+        </p:spPr>
+        <p:txBody>
+          <a:bodyPr anchorCtr="0" anchor="t" bIns="91425" lIns="91425" spcFirstLastPara="1" rIns="91425" wrap="square" tIns="91425">
+            <a:noAutofit/>
+          </a:bodyPr>
+          <a:lstStyle/>
+          <a:p>
+            <a:pPr indent="0" lvl="0" marL="0" rtl="0" algn="l">
+              <a:spcBef>
+                <a:spcPts val="0"/>
+              </a:spcBef>
+              <a:spcAft>
+                <a:spcPts val="0"/>
+              </a:spcAft>
+              <a:buNone/>
+            </a:pPr>
+            <a:r>
+              <a:rPr b="1" lang="en"/>
+              <a:t>Scenario: Incompatible Browser</a:t>
+            </a:r>
+            <a:endParaRPr b="1"/>
+          </a:p>
+          <a:p>
+            <a:pPr indent="-311150" lvl="0" marL="457200" rtl="0" algn="l">
+              <a:spcBef>
+                <a:spcPts val="1600"/>
+              </a:spcBef>
+              <a:spcAft>
+                <a:spcPts val="0"/>
+              </a:spcAft>
+              <a:buSzPts val="1300"/>
+              <a:buChar char="●"/>
+            </a:pPr>
+            <a:r>
+              <a:rPr lang="en"/>
+              <a:t>Consume experiment time</a:t>
+            </a:r>
+            <a:r>
+              <a:rPr lang="en"/>
+              <a:t>.</a:t>
+            </a:r>
+            <a:endParaRPr/>
+          </a:p>
+          <a:p>
+            <a:pPr indent="-311150" lvl="0" marL="457200" rtl="0" algn="l">
+              <a:spcBef>
+                <a:spcPts val="0"/>
+              </a:spcBef>
+              <a:spcAft>
+                <a:spcPts val="0"/>
+              </a:spcAft>
+              <a:buSzPts val="1300"/>
+              <a:buChar char="●"/>
+            </a:pPr>
+            <a:r>
+              <a:rPr lang="en"/>
+              <a:t>Recording verbal response.</a:t>
+            </a:r>
+            <a:endParaRPr/>
+          </a:p>
+        </p:txBody>
+      </p:sp>
+      <p:pic>
+        <p:nvPicPr>
+          <p:cNvPr id="322" name="Google Shape;322;p18"/>
+          <p:cNvPicPr preferRelativeResize="0"/>
+          <p:nvPr/>
+        </p:nvPicPr>
+        <p:blipFill>
+          <a:blip r:embed="rId4">
+            <a:alphaModFix/>
+          </a:blip>
+          <a:stretch>
+            <a:fillRect/>
+          </a:stretch>
+        </p:blipFill>
+        <p:spPr>
+          <a:xfrm>
+            <a:off x="5739300" y="3168600"/>
+            <a:ext cx="2595000" cy="1466850"/>
+          </a:xfrm>
+          <a:prstGeom prst="rect">
+            <a:avLst/>
+          </a:prstGeom>
+          <a:noFill/>
+          <a:ln>
+            <a:noFill/>
+          </a:ln>
+        </p:spPr>
+      </p:pic>
     </p:spTree>
   </p:cSld>
   <p:clrMapOvr>
@@ -17402,7 +19039,7 @@
   <p:cSld>
     <p:spTree>
       <p:nvGrpSpPr>
-        <p:cNvPr id="312" name="Shape 312"/>
+        <p:cNvPr id="326" name="Shape 326"/>
         <p:cNvGrpSpPr/>
         <p:nvPr/>
       </p:nvGrpSpPr>
@@ -17416,7 +19053,7 @@
       </p:grpSpPr>
       <p:sp>
         <p:nvSpPr>
-          <p:cNvPr id="313" name="Google Shape;313;p19"/>
+          <p:cNvPr id="327" name="Google Shape;327;p19"/>
           <p:cNvSpPr txBox="1"/>
           <p:nvPr>
             <p:ph type="title"/>
@@ -17448,51 +19085,40 @@
             </a:pPr>
             <a:r>
               <a:rPr lang="en"/>
-              <a:t>New Normal Experimental Pathway</a:t>
+              <a:t>Robust Solution(Be Panicked)</a:t>
             </a:r>
             <a:endParaRPr/>
           </a:p>
         </p:txBody>
       </p:sp>
-      <p:sp>
-        <p:nvSpPr>
-          <p:cNvPr id="314" name="Google Shape;314;p19"/>
-          <p:cNvSpPr txBox="1"/>
-          <p:nvPr>
-            <p:ph idx="1" type="body"/>
-          </p:nvPr>
-        </p:nvSpPr>
+      <p:pic>
+        <p:nvPicPr>
+          <p:cNvPr id="328" name="Google Shape;328;p19"/>
+          <p:cNvPicPr preferRelativeResize="0"/>
+          <p:nvPr/>
+        </p:nvPicPr>
+        <p:blipFill>
+          <a:blip r:embed="rId3">
+            <a:alphaModFix/>
+          </a:blip>
+          <a:stretch>
+            <a:fillRect/>
+          </a:stretch>
+        </p:blipFill>
         <p:spPr>
           <a:xfrm>
-            <a:off x="1303800" y="1990050"/>
-            <a:ext cx="7030500" cy="2541600"/>
+            <a:off x="3095625" y="1597875"/>
+            <a:ext cx="2952750" cy="2952750"/>
           </a:xfrm>
           <a:prstGeom prst="rect">
             <a:avLst/>
           </a:prstGeom>
+          <a:noFill/>
+          <a:ln>
+            <a:noFill/>
+          </a:ln>
         </p:spPr>
-        <p:txBody>
-          <a:bodyPr anchorCtr="0" anchor="t" bIns="91425" lIns="91425" spcFirstLastPara="1" rIns="91425" wrap="square" tIns="91425">
-            <a:noAutofit/>
-          </a:bodyPr>
-          <a:lstStyle/>
-          <a:p>
-            <a:pPr indent="0" lvl="0" marL="0" rtl="0" algn="l">
-              <a:spcBef>
-                <a:spcPts val="0"/>
-              </a:spcBef>
-              <a:spcAft>
-                <a:spcPts val="1600"/>
-              </a:spcAft>
-              <a:buNone/>
-            </a:pPr>
-            <a:r>
-              <a:t/>
-            </a:r>
-            <a:endParaRPr/>
-          </a:p>
-        </p:txBody>
-      </p:sp>
+      </p:pic>
     </p:spTree>
   </p:cSld>
   <p:clrMapOvr>
@@ -17506,7 +19132,7 @@
   <p:cSld>
     <p:spTree>
       <p:nvGrpSpPr>
-        <p:cNvPr id="318" name="Shape 318"/>
+        <p:cNvPr id="332" name="Shape 332"/>
         <p:cNvGrpSpPr/>
         <p:nvPr/>
       </p:nvGrpSpPr>
@@ -17520,7 +19146,7 @@
       </p:grpSpPr>
       <p:sp>
         <p:nvSpPr>
-          <p:cNvPr id="319" name="Google Shape;319;p20"/>
+          <p:cNvPr id="333" name="Google Shape;333;p20"/>
           <p:cNvSpPr txBox="1"/>
           <p:nvPr>
             <p:ph type="title"/>
@@ -17552,7 +19178,7 @@
             </a:pPr>
             <a:r>
               <a:rPr lang="en"/>
-              <a:t>Pre-study Activity</a:t>
+              <a:t>New Normal Experimental Pathway</a:t>
             </a:r>
             <a:endParaRPr/>
           </a:p>
@@ -17560,38 +19186,177 @@
       </p:sp>
       <p:sp>
         <p:nvSpPr>
-          <p:cNvPr id="320" name="Google Shape;320;p20"/>
-          <p:cNvSpPr txBox="1"/>
-          <p:nvPr>
-            <p:ph idx="1" type="body"/>
-          </p:nvPr>
+          <p:cNvPr id="334" name="Google Shape;334;p20"/>
+          <p:cNvSpPr/>
+          <p:nvPr/>
         </p:nvSpPr>
         <p:spPr>
           <a:xfrm>
-            <a:off x="1303800" y="1990050"/>
-            <a:ext cx="7030500" cy="2541600"/>
+            <a:off x="1035875" y="2451100"/>
+            <a:ext cx="2083500" cy="1207800"/>
+          </a:xfrm>
+          <a:prstGeom prst="rightArrowCallout">
+            <a:avLst>
+              <a:gd fmla="val 25000" name="adj1"/>
+              <a:gd fmla="val 25000" name="adj2"/>
+              <a:gd fmla="val 25000" name="adj3"/>
+              <a:gd fmla="val 64977" name="adj4"/>
+            </a:avLst>
+          </a:prstGeom>
+          <a:solidFill>
+            <a:srgbClr val="FFFFFF"/>
+          </a:solidFill>
+          <a:ln cap="flat" cmpd="sng" w="9525">
+            <a:solidFill>
+              <a:schemeClr val="dk2"/>
+            </a:solidFill>
+            <a:prstDash val="solid"/>
+            <a:round/>
+            <a:headEnd len="sm" w="sm" type="none"/>
+            <a:tailEnd len="sm" w="sm" type="none"/>
+          </a:ln>
+        </p:spPr>
+        <p:txBody>
+          <a:bodyPr anchorCtr="0" anchor="ctr" bIns="91425" lIns="91425" spcFirstLastPara="1" rIns="91425" wrap="square" tIns="91425">
+            <a:noAutofit/>
+          </a:bodyPr>
+          <a:lstStyle/>
+          <a:p>
+            <a:pPr indent="0" lvl="0" marL="0" rtl="0" algn="ctr">
+              <a:spcBef>
+                <a:spcPts val="0"/>
+              </a:spcBef>
+              <a:spcAft>
+                <a:spcPts val="0"/>
+              </a:spcAft>
+              <a:buNone/>
+            </a:pPr>
+            <a:r>
+              <a:rPr lang="en"/>
+              <a:t>Pre-study </a:t>
+            </a:r>
+            <a:br>
+              <a:rPr lang="en"/>
+            </a:br>
+            <a:r>
+              <a:rPr lang="en"/>
+              <a:t>Activities</a:t>
+            </a:r>
+            <a:endParaRPr/>
+          </a:p>
+        </p:txBody>
+      </p:sp>
+      <p:sp>
+        <p:nvSpPr>
+          <p:cNvPr id="335" name="Google Shape;335;p20"/>
+          <p:cNvSpPr/>
+          <p:nvPr/>
+        </p:nvSpPr>
+        <p:spPr>
+          <a:xfrm>
+            <a:off x="3402700" y="2451100"/>
+            <a:ext cx="2083500" cy="1207800"/>
+          </a:xfrm>
+          <a:prstGeom prst="rightArrowCallout">
+            <a:avLst>
+              <a:gd fmla="val 25000" name="adj1"/>
+              <a:gd fmla="val 25000" name="adj2"/>
+              <a:gd fmla="val 25000" name="adj3"/>
+              <a:gd fmla="val 64977" name="adj4"/>
+            </a:avLst>
+          </a:prstGeom>
+          <a:solidFill>
+            <a:srgbClr val="FFFFFF"/>
+          </a:solidFill>
+          <a:ln cap="flat" cmpd="sng" w="9525">
+            <a:solidFill>
+              <a:schemeClr val="dk2"/>
+            </a:solidFill>
+            <a:prstDash val="solid"/>
+            <a:round/>
+            <a:headEnd len="sm" w="sm" type="none"/>
+            <a:tailEnd len="sm" w="sm" type="none"/>
+          </a:ln>
+        </p:spPr>
+        <p:txBody>
+          <a:bodyPr anchorCtr="0" anchor="ctr" bIns="91425" lIns="91425" spcFirstLastPara="1" rIns="91425" wrap="square" tIns="91425">
+            <a:noAutofit/>
+          </a:bodyPr>
+          <a:lstStyle/>
+          <a:p>
+            <a:pPr indent="0" lvl="0" marL="0" rtl="0" algn="ctr">
+              <a:spcBef>
+                <a:spcPts val="0"/>
+              </a:spcBef>
+              <a:spcAft>
+                <a:spcPts val="0"/>
+              </a:spcAft>
+              <a:buNone/>
+            </a:pPr>
+            <a:r>
+              <a:rPr lang="en"/>
+              <a:t>In</a:t>
+            </a:r>
+            <a:r>
+              <a:rPr lang="en"/>
+              <a:t>-study </a:t>
+            </a:r>
+            <a:br>
+              <a:rPr lang="en"/>
+            </a:br>
+            <a:r>
+              <a:rPr lang="en"/>
+              <a:t>Activities</a:t>
+            </a:r>
+            <a:endParaRPr/>
+          </a:p>
+        </p:txBody>
+      </p:sp>
+      <p:sp>
+        <p:nvSpPr>
+          <p:cNvPr id="336" name="Google Shape;336;p20"/>
+          <p:cNvSpPr/>
+          <p:nvPr/>
+        </p:nvSpPr>
+        <p:spPr>
+          <a:xfrm>
+            <a:off x="5769525" y="2390650"/>
+            <a:ext cx="1607700" cy="1328700"/>
           </a:xfrm>
           <a:prstGeom prst="rect">
             <a:avLst/>
           </a:prstGeom>
+          <a:solidFill>
+            <a:srgbClr val="FFFFFF"/>
+          </a:solidFill>
+          <a:ln cap="flat" cmpd="sng" w="9525">
+            <a:solidFill>
+              <a:schemeClr val="dk2"/>
+            </a:solidFill>
+            <a:prstDash val="solid"/>
+            <a:round/>
+            <a:headEnd len="sm" w="sm" type="none"/>
+            <a:tailEnd len="sm" w="sm" type="none"/>
+          </a:ln>
         </p:spPr>
         <p:txBody>
-          <a:bodyPr anchorCtr="0" anchor="t" bIns="91425" lIns="91425" spcFirstLastPara="1" rIns="91425" wrap="square" tIns="91425">
+          <a:bodyPr anchorCtr="0" anchor="ctr" bIns="91425" lIns="91425" spcFirstLastPara="1" rIns="91425" wrap="square" tIns="91425">
             <a:noAutofit/>
           </a:bodyPr>
           <a:lstStyle/>
           <a:p>
-            <a:pPr indent="0" lvl="0" marL="0" rtl="0" algn="l">
-              <a:spcBef>
-                <a:spcPts val="0"/>
-              </a:spcBef>
-              <a:spcAft>
-                <a:spcPts val="1600"/>
+            <a:pPr indent="0" lvl="0" marL="0" rtl="0" algn="ctr">
+              <a:spcBef>
+                <a:spcPts val="0"/>
+              </a:spcBef>
+              <a:spcAft>
+                <a:spcPts val="0"/>
               </a:spcAft>
               <a:buNone/>
             </a:pPr>
             <a:r>
-              <a:t/>
+              <a:rPr lang="en"/>
+              <a:t>Post- study Activities</a:t>
             </a:r>
             <a:endParaRPr/>
           </a:p>
@@ -17610,7 +19375,7 @@
   <p:cSld>
     <p:spTree>
       <p:nvGrpSpPr>
-        <p:cNvPr id="324" name="Shape 324"/>
+        <p:cNvPr id="340" name="Shape 340"/>
         <p:cNvGrpSpPr/>
         <p:nvPr/>
       </p:nvGrpSpPr>
@@ -17624,7 +19389,7 @@
       </p:grpSpPr>
       <p:sp>
         <p:nvSpPr>
-          <p:cNvPr id="325" name="Google Shape;325;p21"/>
+          <p:cNvPr id="341" name="Google Shape;341;p21"/>
           <p:cNvSpPr txBox="1"/>
           <p:nvPr>
             <p:ph type="title"/>
@@ -17656,7 +19421,7 @@
             </a:pPr>
             <a:r>
               <a:rPr lang="en"/>
-              <a:t>In-study Activity</a:t>
+              <a:t>Pre-study Activity</a:t>
             </a:r>
             <a:endParaRPr/>
           </a:p>
@@ -17664,7 +19429,7 @@
       </p:sp>
       <p:sp>
         <p:nvSpPr>
-          <p:cNvPr id="326" name="Google Shape;326;p21"/>
+          <p:cNvPr id="342" name="Google Shape;342;p21"/>
           <p:cNvSpPr txBox="1"/>
           <p:nvPr>
             <p:ph idx="1" type="body"/>
@@ -17685,17 +19450,121 @@
           </a:bodyPr>
           <a:lstStyle/>
           <a:p>
-            <a:pPr indent="0" lvl="0" marL="0" rtl="0" algn="l">
-              <a:spcBef>
-                <a:spcPts val="0"/>
-              </a:spcBef>
-              <a:spcAft>
-                <a:spcPts val="1600"/>
-              </a:spcAft>
-              <a:buNone/>
+            <a:pPr indent="-311150" lvl="0" marL="457200" rtl="0" algn="l">
+              <a:spcBef>
+                <a:spcPts val="0"/>
+              </a:spcBef>
+              <a:spcAft>
+                <a:spcPts val="0"/>
+              </a:spcAft>
+              <a:buSzPts val="1300"/>
+              <a:buChar char="●"/>
             </a:pPr>
             <a:r>
-              <a:t/>
+              <a:rPr lang="en"/>
+              <a:t>Make sure IRB is prepared.</a:t>
+            </a:r>
+            <a:endParaRPr/>
+          </a:p>
+          <a:p>
+            <a:pPr indent="-311150" lvl="0" marL="457200" rtl="0" algn="l">
+              <a:spcBef>
+                <a:spcPts val="0"/>
+              </a:spcBef>
+              <a:spcAft>
+                <a:spcPts val="0"/>
+              </a:spcAft>
+              <a:buSzPts val="1300"/>
+              <a:buChar char="●"/>
+            </a:pPr>
+            <a:r>
+              <a:rPr lang="en"/>
+              <a:t>Know your participant.</a:t>
+            </a:r>
+            <a:endParaRPr/>
+          </a:p>
+          <a:p>
+            <a:pPr indent="-311150" lvl="0" marL="457200" rtl="0" algn="l">
+              <a:spcBef>
+                <a:spcPts val="0"/>
+              </a:spcBef>
+              <a:spcAft>
+                <a:spcPts val="0"/>
+              </a:spcAft>
+              <a:buSzPts val="1300"/>
+              <a:buChar char="●"/>
+            </a:pPr>
+            <a:r>
+              <a:rPr lang="en"/>
+              <a:t>Ask specific question.</a:t>
+            </a:r>
+            <a:endParaRPr/>
+          </a:p>
+          <a:p>
+            <a:pPr indent="-311150" lvl="0" marL="457200" rtl="0" algn="l">
+              <a:spcBef>
+                <a:spcPts val="0"/>
+              </a:spcBef>
+              <a:spcAft>
+                <a:spcPts val="0"/>
+              </a:spcAft>
+              <a:buSzPts val="1300"/>
+              <a:buChar char="●"/>
+            </a:pPr>
+            <a:r>
+              <a:rPr lang="en"/>
+              <a:t>Contact twice.</a:t>
+            </a:r>
+            <a:endParaRPr/>
+          </a:p>
+          <a:p>
+            <a:pPr indent="-311150" lvl="0" marL="457200" rtl="0" algn="l">
+              <a:spcBef>
+                <a:spcPts val="0"/>
+              </a:spcBef>
+              <a:spcAft>
+                <a:spcPts val="0"/>
+              </a:spcAft>
+              <a:buSzPts val="1300"/>
+              <a:buChar char="●"/>
+            </a:pPr>
+            <a:r>
+              <a:rPr b="1" lang="en"/>
+              <a:t>Consent form digitally signed.</a:t>
+            </a:r>
+            <a:endParaRPr b="1"/>
+          </a:p>
+          <a:p>
+            <a:pPr indent="-311150" lvl="0" marL="457200" rtl="0" algn="l">
+              <a:spcBef>
+                <a:spcPts val="0"/>
+              </a:spcBef>
+              <a:spcAft>
+                <a:spcPts val="0"/>
+              </a:spcAft>
+              <a:buSzPts val="1300"/>
+              <a:buChar char="●"/>
+            </a:pPr>
+            <a:r>
+              <a:rPr lang="en"/>
+              <a:t>Exact Browser compatibility of study website.</a:t>
+            </a:r>
+            <a:endParaRPr/>
+          </a:p>
+          <a:p>
+            <a:pPr indent="-311150" lvl="0" marL="457200" rtl="0" algn="l">
+              <a:spcBef>
+                <a:spcPts val="0"/>
+              </a:spcBef>
+              <a:spcAft>
+                <a:spcPts val="0"/>
+              </a:spcAft>
+              <a:buSzPts val="1300"/>
+              <a:buChar char="●"/>
+            </a:pPr>
+            <a:r>
+              <a:rPr lang="en"/>
+              <a:t>Plan verbal questions.</a:t>
             </a:r>
             <a:endParaRPr/>
           </a:p>
@@ -17710,6 +19579,285 @@
 </file>
 
 <file path=ppt/theme/theme1.xml><?xml version="1.0" encoding="utf-8"?>
+<a:theme xmlns:a="http://schemas.openxmlformats.org/drawingml/2006/main" xmlns:r="http://schemas.openxmlformats.org/officeDocument/2006/relationships">
+  <a:themeElements>
+    <a:clrScheme name="Default">
+      <a:dk1>
+        <a:srgbClr val="000000"/>
+      </a:dk1>
+      <a:lt1>
+        <a:srgbClr val="FFFFFF"/>
+      </a:lt1>
+      <a:dk2>
+        <a:srgbClr val="158158"/>
+      </a:dk2>
+      <a:lt2>
+        <a:srgbClr val="F3F3F3"/>
+      </a:lt2>
+      <a:accent1>
+        <a:srgbClr val="058DC7"/>
+      </a:accent1>
+      <a:accent2>
+        <a:srgbClr val="50B432"/>
+      </a:accent2>
+      <a:accent3>
+        <a:srgbClr val="ED561B"/>
+      </a:accent3>
+      <a:accent4>
+        <a:srgbClr val="EDEF00"/>
+      </a:accent4>
+      <a:accent5>
+        <a:srgbClr val="24CBE5"/>
+      </a:accent5>
+      <a:accent6>
+        <a:srgbClr val="64E572"/>
+      </a:accent6>
+      <a:hlink>
+        <a:srgbClr val="2200CC"/>
+      </a:hlink>
+      <a:folHlink>
+        <a:srgbClr val="551A8B"/>
+      </a:folHlink>
+    </a:clrScheme>
+    <a:fontScheme name="Office">
+      <a:majorFont>
+        <a:latin typeface="Arial"/>
+        <a:ea typeface=""/>
+        <a:cs typeface=""/>
+        <a:font script="Jpan" typeface="ＭＳ Ｐゴシック"/>
+        <a:font script="Hang" typeface="맑은 고딕"/>
+        <a:font script="Hans" typeface="宋体"/>
+        <a:font script="Hant" typeface="新細明體"/>
+        <a:font script="Arab" typeface="Times New Roman"/>
+        <a:font script="Hebr" typeface="Times New Roman"/>
+        <a:font script="Thai" typeface="Angsana New"/>
+        <a:font script="Ethi" typeface="Nyala"/>
+        <a:font script="Beng" typeface="Vrinda"/>
+        <a:font script="Gujr" typeface="Shruti"/>
+        <a:font script="Khmr" typeface="MoolBoran"/>
+        <a:font script="Knda" typeface="Tunga"/>
+        <a:font script="Guru" typeface="Raavi"/>
+        <a:font script="Cans" typeface="Euphemia"/>
+        <a:font script="Cher" typeface="Plantagenet Cherokee"/>
+        <a:font script="Yiii" typeface="Microsoft Yi Baiti"/>
+        <a:font script="Tibt" typeface="Microsoft Himalaya"/>
+        <a:font script="Thaa" typeface="MV Boli"/>
+        <a:font script="Deva" typeface="Mangal"/>
+        <a:font script="Telu" typeface="Gautami"/>
+        <a:font script="Taml" typeface="Latha"/>
+        <a:font script="Syrc" typeface="Estrangelo Edessa"/>
+        <a:font script="Orya" typeface="Kalinga"/>
+        <a:font script="Mlym" typeface="Kartika"/>
+        <a:font script="Laoo" typeface="DokChampa"/>
+        <a:font script="Sinh" typeface="Iskoola Pota"/>
+        <a:font script="Mong" typeface="Mongolian Baiti"/>
+        <a:font script="Viet" typeface="Times New Roman"/>
+        <a:font script="Uigh" typeface="Microsoft Uighur"/>
+        <a:font script="Geor" typeface="Sylfaen"/>
+      </a:majorFont>
+      <a:minorFont>
+        <a:latin typeface="Arial"/>
+        <a:ea typeface=""/>
+        <a:cs typeface=""/>
+        <a:font script="Jpan" typeface="ＭＳ Ｐゴシック"/>
+        <a:font script="Hang" typeface="맑은 고딕"/>
+        <a:font script="Hans" typeface="宋体"/>
+        <a:font script="Hant" typeface="新細明體"/>
+        <a:font script="Arab" typeface="Arial"/>
+        <a:font script="Hebr" typeface="Arial"/>
+        <a:font script="Thai" typeface="Cordia New"/>
+        <a:font script="Ethi" typeface="Nyala"/>
+        <a:font script="Beng" typeface="Vrinda"/>
+        <a:font script="Gujr" typeface="Shruti"/>
+        <a:font script="Khmr" typeface="DaunPenh"/>
+        <a:font script="Knda" typeface="Tunga"/>
+        <a:font script="Guru" typeface="Raavi"/>
+        <a:font script="Cans" typeface="Euphemia"/>
+        <a:font script="Cher" typeface="Plantagenet Cherokee"/>
+        <a:font script="Yiii" typeface="Microsoft Yi Baiti"/>
+        <a:font script="Tibt" typeface="Microsoft Himalaya"/>
+        <a:font script="Thaa" typeface="MV Boli"/>
+        <a:font script="Deva" typeface="Mangal"/>
+        <a:font script="Telu" typeface="Gautami"/>
+        <a:font script="Taml" typeface="Latha"/>
+        <a:font script="Syrc" typeface="Estrangelo Edessa"/>
+        <a:font script="Orya" typeface="Kalinga"/>
+        <a:font script="Mlym" typeface="Kartika"/>
+        <a:font script="Laoo" typeface="DokChampa"/>
+        <a:font script="Sinh" typeface="Iskoola Pota"/>
+        <a:font script="Mong" typeface="Mongolian Baiti"/>
+        <a:font script="Viet" typeface="Arial"/>
+        <a:font script="Uigh" typeface="Microsoft Uighur"/>
+        <a:font script="Geor" typeface="Sylfaen"/>
+      </a:minorFont>
+    </a:fontScheme>
+    <a:fmtScheme name="Office">
+      <a:fillStyleLst>
+        <a:solidFill>
+          <a:schemeClr val="phClr"/>
+        </a:solidFill>
+        <a:gradFill rotWithShape="1">
+          <a:gsLst>
+            <a:gs pos="0">
+              <a:schemeClr val="phClr">
+                <a:tint val="50000"/>
+                <a:satMod val="300000"/>
+              </a:schemeClr>
+            </a:gs>
+            <a:gs pos="35000">
+              <a:schemeClr val="phClr">
+                <a:tint val="37000"/>
+                <a:satMod val="300000"/>
+              </a:schemeClr>
+            </a:gs>
+            <a:gs pos="100000">
+              <a:schemeClr val="phClr">
+                <a:tint val="15000"/>
+                <a:satMod val="350000"/>
+              </a:schemeClr>
+            </a:gs>
+          </a:gsLst>
+          <a:lin ang="16200000" scaled="1"/>
+        </a:gradFill>
+        <a:gradFill rotWithShape="1">
+          <a:gsLst>
+            <a:gs pos="0">
+              <a:schemeClr val="phClr">
+                <a:tint val="100000"/>
+                <a:shade val="100000"/>
+                <a:satMod val="130000"/>
+              </a:schemeClr>
+            </a:gs>
+            <a:gs pos="100000">
+              <a:schemeClr val="phClr">
+                <a:tint val="50000"/>
+                <a:shade val="100000"/>
+                <a:satMod val="350000"/>
+              </a:schemeClr>
+            </a:gs>
+          </a:gsLst>
+          <a:lin ang="16200000" scaled="0"/>
+        </a:gradFill>
+      </a:fillStyleLst>
+      <a:lnStyleLst>
+        <a:ln w="9525" cap="flat" cmpd="sng" algn="ctr">
+          <a:solidFill>
+            <a:schemeClr val="phClr">
+              <a:shade val="95000"/>
+              <a:satMod val="105000"/>
+            </a:schemeClr>
+          </a:solidFill>
+          <a:prstDash val="solid"/>
+        </a:ln>
+        <a:ln w="25400" cap="flat" cmpd="sng" algn="ctr">
+          <a:solidFill>
+            <a:schemeClr val="phClr"/>
+          </a:solidFill>
+          <a:prstDash val="solid"/>
+        </a:ln>
+        <a:ln w="38100" cap="flat" cmpd="sng" algn="ctr">
+          <a:solidFill>
+            <a:schemeClr val="phClr"/>
+          </a:solidFill>
+          <a:prstDash val="solid"/>
+        </a:ln>
+      </a:lnStyleLst>
+      <a:effectStyleLst>
+        <a:effectStyle>
+          <a:effectLst>
+            <a:outerShdw blurRad="40000" dist="20000" dir="5400000" rotWithShape="0">
+              <a:srgbClr val="000000">
+                <a:alpha val="38000"/>
+              </a:srgbClr>
+            </a:outerShdw>
+          </a:effectLst>
+        </a:effectStyle>
+        <a:effectStyle>
+          <a:effectLst>
+            <a:outerShdw blurRad="40000" dist="23000" dir="5400000" rotWithShape="0">
+              <a:srgbClr val="000000">
+                <a:alpha val="35000"/>
+              </a:srgbClr>
+            </a:outerShdw>
+          </a:effectLst>
+        </a:effectStyle>
+        <a:effectStyle>
+          <a:effectLst>
+            <a:outerShdw blurRad="40000" dist="23000" dir="5400000" rotWithShape="0">
+              <a:srgbClr val="000000">
+                <a:alpha val="35000"/>
+              </a:srgbClr>
+            </a:outerShdw>
+          </a:effectLst>
+          <a:scene3d>
+            <a:camera prst="orthographicFront">
+              <a:rot lat="0" lon="0" rev="0"/>
+            </a:camera>
+            <a:lightRig rig="threePt" dir="t">
+              <a:rot lat="0" lon="0" rev="1200000"/>
+            </a:lightRig>
+          </a:scene3d>
+          <a:sp3d>
+            <a:bevelT w="63500" h="25400"/>
+          </a:sp3d>
+        </a:effectStyle>
+      </a:effectStyleLst>
+      <a:bgFillStyleLst>
+        <a:solidFill>
+          <a:schemeClr val="phClr"/>
+        </a:solidFill>
+        <a:gradFill rotWithShape="1">
+          <a:gsLst>
+            <a:gs pos="0">
+              <a:schemeClr val="phClr">
+                <a:tint val="40000"/>
+                <a:satMod val="350000"/>
+              </a:schemeClr>
+            </a:gs>
+            <a:gs pos="40000">
+              <a:schemeClr val="phClr">
+                <a:tint val="45000"/>
+                <a:shade val="99000"/>
+                <a:satMod val="350000"/>
+              </a:schemeClr>
+            </a:gs>
+            <a:gs pos="100000">
+              <a:schemeClr val="phClr">
+                <a:shade val="20000"/>
+                <a:satMod val="255000"/>
+              </a:schemeClr>
+            </a:gs>
+          </a:gsLst>
+          <a:path path="circle">
+            <a:fillToRect l="50000" t="-80000" r="50000" b="180000"/>
+          </a:path>
+        </a:gradFill>
+        <a:gradFill rotWithShape="1">
+          <a:gsLst>
+            <a:gs pos="0">
+              <a:schemeClr val="phClr">
+                <a:tint val="80000"/>
+                <a:satMod val="300000"/>
+              </a:schemeClr>
+            </a:gs>
+            <a:gs pos="100000">
+              <a:schemeClr val="phClr">
+                <a:shade val="30000"/>
+                <a:satMod val="200000"/>
+              </a:schemeClr>
+            </a:gs>
+          </a:gsLst>
+          <a:path path="circle">
+            <a:fillToRect l="50000" t="50000" r="50000" b="50000"/>
+          </a:path>
+        </a:gradFill>
+      </a:bgFillStyleLst>
+    </a:fmtScheme>
+  </a:themeElements>
+</a:theme>
+</file>
+
+<file path=ppt/theme/theme2.xml><?xml version="1.0" encoding="utf-8"?>
 <a:theme xmlns:a="http://schemas.openxmlformats.org/drawingml/2006/main" xmlns:r="http://schemas.openxmlformats.org/officeDocument/2006/relationships" name="Momentum">
   <a:themeElements>
     <a:clrScheme name="Momentum">
@@ -17986,283 +20134,4 @@
     </a:fmtScheme>
   </a:themeElements>
 </a:theme>
-</file>
-
-<file path=ppt/theme/theme2.xml><?xml version="1.0" encoding="utf-8"?>
-<a:theme xmlns:a="http://schemas.openxmlformats.org/drawingml/2006/main" xmlns:r="http://schemas.openxmlformats.org/officeDocument/2006/relationships">
-  <a:themeElements>
-    <a:clrScheme name="Default">
-      <a:dk1>
-        <a:srgbClr val="000000"/>
-      </a:dk1>
-      <a:lt1>
-        <a:srgbClr val="FFFFFF"/>
-      </a:lt1>
-      <a:dk2>
-        <a:srgbClr val="158158"/>
-      </a:dk2>
-      <a:lt2>
-        <a:srgbClr val="F3F3F3"/>
-      </a:lt2>
-      <a:accent1>
-        <a:srgbClr val="058DC7"/>
-      </a:accent1>
-      <a:accent2>
-        <a:srgbClr val="50B432"/>
-      </a:accent2>
-      <a:accent3>
-        <a:srgbClr val="ED561B"/>
-      </a:accent3>
-      <a:accent4>
-        <a:srgbClr val="EDEF00"/>
-      </a:accent4>
-      <a:accent5>
-        <a:srgbClr val="24CBE5"/>
-      </a:accent5>
-      <a:accent6>
-        <a:srgbClr val="64E572"/>
-      </a:accent6>
-      <a:hlink>
-        <a:srgbClr val="2200CC"/>
-      </a:hlink>
-      <a:folHlink>
-        <a:srgbClr val="551A8B"/>
-      </a:folHlink>
-    </a:clrScheme>
-    <a:fontScheme name="Office">
-      <a:majorFont>
-        <a:latin typeface="Arial"/>
-        <a:ea typeface=""/>
-        <a:cs typeface=""/>
-        <a:font script="Jpan" typeface="ＭＳ Ｐゴシック"/>
-        <a:font script="Hang" typeface="맑은 고딕"/>
-        <a:font script="Hans" typeface="宋体"/>
-        <a:font script="Hant" typeface="新細明體"/>
-        <a:font script="Arab" typeface="Times New Roman"/>
-        <a:font script="Hebr" typeface="Times New Roman"/>
-        <a:font script="Thai" typeface="Angsana New"/>
-        <a:font script="Ethi" typeface="Nyala"/>
-        <a:font script="Beng" typeface="Vrinda"/>
-        <a:font script="Gujr" typeface="Shruti"/>
-        <a:font script="Khmr" typeface="MoolBoran"/>
-        <a:font script="Knda" typeface="Tunga"/>
-        <a:font script="Guru" typeface="Raavi"/>
-        <a:font script="Cans" typeface="Euphemia"/>
-        <a:font script="Cher" typeface="Plantagenet Cherokee"/>
-        <a:font script="Yiii" typeface="Microsoft Yi Baiti"/>
-        <a:font script="Tibt" typeface="Microsoft Himalaya"/>
-        <a:font script="Thaa" typeface="MV Boli"/>
-        <a:font script="Deva" typeface="Mangal"/>
-        <a:font script="Telu" typeface="Gautami"/>
-        <a:font script="Taml" typeface="Latha"/>
-        <a:font script="Syrc" typeface="Estrangelo Edessa"/>
-        <a:font script="Orya" typeface="Kalinga"/>
-        <a:font script="Mlym" typeface="Kartika"/>
-        <a:font script="Laoo" typeface="DokChampa"/>
-        <a:font script="Sinh" typeface="Iskoola Pota"/>
-        <a:font script="Mong" typeface="Mongolian Baiti"/>
-        <a:font script="Viet" typeface="Times New Roman"/>
-        <a:font script="Uigh" typeface="Microsoft Uighur"/>
-        <a:font script="Geor" typeface="Sylfaen"/>
-      </a:majorFont>
-      <a:minorFont>
-        <a:latin typeface="Arial"/>
-        <a:ea typeface=""/>
-        <a:cs typeface=""/>
-        <a:font script="Jpan" typeface="ＭＳ Ｐゴシック"/>
-        <a:font script="Hang" typeface="맑은 고딕"/>
-        <a:font script="Hans" typeface="宋体"/>
-        <a:font script="Hant" typeface="新細明體"/>
-        <a:font script="Arab" typeface="Arial"/>
-        <a:font script="Hebr" typeface="Arial"/>
-        <a:font script="Thai" typeface="Cordia New"/>
-        <a:font script="Ethi" typeface="Nyala"/>
-        <a:font script="Beng" typeface="Vrinda"/>
-        <a:font script="Gujr" typeface="Shruti"/>
-        <a:font script="Khmr" typeface="DaunPenh"/>
-        <a:font script="Knda" typeface="Tunga"/>
-        <a:font script="Guru" typeface="Raavi"/>
-        <a:font script="Cans" typeface="Euphemia"/>
-        <a:font script="Cher" typeface="Plantagenet Cherokee"/>
-        <a:font script="Yiii" typeface="Microsoft Yi Baiti"/>
-        <a:font script="Tibt" typeface="Microsoft Himalaya"/>
-        <a:font script="Thaa" typeface="MV Boli"/>
-        <a:font script="Deva" typeface="Mangal"/>
-        <a:font script="Telu" typeface="Gautami"/>
-        <a:font script="Taml" typeface="Latha"/>
-        <a:font script="Syrc" typeface="Estrangelo Edessa"/>
-        <a:font script="Orya" typeface="Kalinga"/>
-        <a:font script="Mlym" typeface="Kartika"/>
-        <a:font script="Laoo" typeface="DokChampa"/>
-        <a:font script="Sinh" typeface="Iskoola Pota"/>
-        <a:font script="Mong" typeface="Mongolian Baiti"/>
-        <a:font script="Viet" typeface="Arial"/>
-        <a:font script="Uigh" typeface="Microsoft Uighur"/>
-        <a:font script="Geor" typeface="Sylfaen"/>
-      </a:minorFont>
-    </a:fontScheme>
-    <a:fmtScheme name="Office">
-      <a:fillStyleLst>
-        <a:solidFill>
-          <a:schemeClr val="phClr"/>
-        </a:solidFill>
-        <a:gradFill rotWithShape="1">
-          <a:gsLst>
-            <a:gs pos="0">
-              <a:schemeClr val="phClr">
-                <a:tint val="50000"/>
-                <a:satMod val="300000"/>
-              </a:schemeClr>
-            </a:gs>
-            <a:gs pos="35000">
-              <a:schemeClr val="phClr">
-                <a:tint val="37000"/>
-                <a:satMod val="300000"/>
-              </a:schemeClr>
-            </a:gs>
-            <a:gs pos="100000">
-              <a:schemeClr val="phClr">
-                <a:tint val="15000"/>
-                <a:satMod val="350000"/>
-              </a:schemeClr>
-            </a:gs>
-          </a:gsLst>
-          <a:lin ang="16200000" scaled="1"/>
-        </a:gradFill>
-        <a:gradFill rotWithShape="1">
-          <a:gsLst>
-            <a:gs pos="0">
-              <a:schemeClr val="phClr">
-                <a:tint val="100000"/>
-                <a:shade val="100000"/>
-                <a:satMod val="130000"/>
-              </a:schemeClr>
-            </a:gs>
-            <a:gs pos="100000">
-              <a:schemeClr val="phClr">
-                <a:tint val="50000"/>
-                <a:shade val="100000"/>
-                <a:satMod val="350000"/>
-              </a:schemeClr>
-            </a:gs>
-          </a:gsLst>
-          <a:lin ang="16200000" scaled="0"/>
-        </a:gradFill>
-      </a:fillStyleLst>
-      <a:lnStyleLst>
-        <a:ln w="9525" cap="flat" cmpd="sng" algn="ctr">
-          <a:solidFill>
-            <a:schemeClr val="phClr">
-              <a:shade val="95000"/>
-              <a:satMod val="105000"/>
-            </a:schemeClr>
-          </a:solidFill>
-          <a:prstDash val="solid"/>
-        </a:ln>
-        <a:ln w="25400" cap="flat" cmpd="sng" algn="ctr">
-          <a:solidFill>
-            <a:schemeClr val="phClr"/>
-          </a:solidFill>
-          <a:prstDash val="solid"/>
-        </a:ln>
-        <a:ln w="38100" cap="flat" cmpd="sng" algn="ctr">
-          <a:solidFill>
-            <a:schemeClr val="phClr"/>
-          </a:solidFill>
-          <a:prstDash val="solid"/>
-        </a:ln>
-      </a:lnStyleLst>
-      <a:effectStyleLst>
-        <a:effectStyle>
-          <a:effectLst>
-            <a:outerShdw blurRad="40000" dist="20000" dir="5400000" rotWithShape="0">
-              <a:srgbClr val="000000">
-                <a:alpha val="38000"/>
-              </a:srgbClr>
-            </a:outerShdw>
-          </a:effectLst>
-        </a:effectStyle>
-        <a:effectStyle>
-          <a:effectLst>
-            <a:outerShdw blurRad="40000" dist="23000" dir="5400000" rotWithShape="0">
-              <a:srgbClr val="000000">
-                <a:alpha val="35000"/>
-              </a:srgbClr>
-            </a:outerShdw>
-          </a:effectLst>
-        </a:effectStyle>
-        <a:effectStyle>
-          <a:effectLst>
-            <a:outerShdw blurRad="40000" dist="23000" dir="5400000" rotWithShape="0">
-              <a:srgbClr val="000000">
-                <a:alpha val="35000"/>
-              </a:srgbClr>
-            </a:outerShdw>
-          </a:effectLst>
-          <a:scene3d>
-            <a:camera prst="orthographicFront">
-              <a:rot lat="0" lon="0" rev="0"/>
-            </a:camera>
-            <a:lightRig rig="threePt" dir="t">
-              <a:rot lat="0" lon="0" rev="1200000"/>
-            </a:lightRig>
-          </a:scene3d>
-          <a:sp3d>
-            <a:bevelT w="63500" h="25400"/>
-          </a:sp3d>
-        </a:effectStyle>
-      </a:effectStyleLst>
-      <a:bgFillStyleLst>
-        <a:solidFill>
-          <a:schemeClr val="phClr"/>
-        </a:solidFill>
-        <a:gradFill rotWithShape="1">
-          <a:gsLst>
-            <a:gs pos="0">
-              <a:schemeClr val="phClr">
-                <a:tint val="40000"/>
-                <a:satMod val="350000"/>
-              </a:schemeClr>
-            </a:gs>
-            <a:gs pos="40000">
-              <a:schemeClr val="phClr">
-                <a:tint val="45000"/>
-                <a:shade val="99000"/>
-                <a:satMod val="350000"/>
-              </a:schemeClr>
-            </a:gs>
-            <a:gs pos="100000">
-              <a:schemeClr val="phClr">
-                <a:shade val="20000"/>
-                <a:satMod val="255000"/>
-              </a:schemeClr>
-            </a:gs>
-          </a:gsLst>
-          <a:path path="circle">
-            <a:fillToRect l="50000" t="-80000" r="50000" b="180000"/>
-          </a:path>
-        </a:gradFill>
-        <a:gradFill rotWithShape="1">
-          <a:gsLst>
-            <a:gs pos="0">
-              <a:schemeClr val="phClr">
-                <a:tint val="80000"/>
-                <a:satMod val="300000"/>
-              </a:schemeClr>
-            </a:gs>
-            <a:gs pos="100000">
-              <a:schemeClr val="phClr">
-                <a:shade val="30000"/>
-                <a:satMod val="200000"/>
-              </a:schemeClr>
-            </a:gs>
-          </a:gsLst>
-          <a:path path="circle">
-            <a:fillToRect l="50000" t="50000" r="50000" b="50000"/>
-          </a:path>
-        </a:gradFill>
-      </a:bgFillStyleLst>
-    </a:fmtScheme>
-  </a:themeElements>
-</a:theme>
 </file>